--- a/Project Overview/ClimateWins Final Presentation.pptx
+++ b/Project Overview/ClimateWins Final Presentation.pptx
@@ -16,10 +16,9 @@
     <p:sldId id="260" r:id="rId10"/>
     <p:sldId id="261" r:id="rId11"/>
     <p:sldId id="262" r:id="rId12"/>
-    <p:sldId id="271" r:id="rId13"/>
-    <p:sldId id="270" r:id="rId14"/>
-    <p:sldId id="263" r:id="rId15"/>
-    <p:sldId id="259" r:id="rId16"/>
+    <p:sldId id="270" r:id="rId13"/>
+    <p:sldId id="263" r:id="rId14"/>
+    <p:sldId id="259" r:id="rId15"/>
   </p:sldIdLst>
   <p:sldSz cx="12192000" cy="6858000"/>
   <p:notesSz cx="6858000" cy="9144000"/>
@@ -118,6 +117,11 @@
       </a:defRPr>
     </a:lvl9pPr>
   </p:defaultTextStyle>
+  <p:extLst>
+    <p:ext uri="{EFAFB233-063F-42B5-8137-9DF3F51BA10A}">
+      <p15:sldGuideLst xmlns:p15="http://schemas.microsoft.com/office/powerpoint/2012/main"/>
+    </p:ext>
+  </p:extLst>
 </p:presentation>
 </file>
 
@@ -268,7 +272,7 @@
           <a:p>
             <a:fld id="{A339839C-6F60-4C6C-A38F-A57D5A259D1F}" type="datetimeFigureOut">
               <a:rPr lang="en-US" smtClean="0"/>
-              <a:t>11/5/2024</a:t>
+              <a:t>11/11/2024</a:t>
             </a:fld>
             <a:endParaRPr lang="en-US"/>
           </a:p>
@@ -466,7 +470,7 @@
           <a:p>
             <a:fld id="{A339839C-6F60-4C6C-A38F-A57D5A259D1F}" type="datetimeFigureOut">
               <a:rPr lang="en-US" smtClean="0"/>
-              <a:t>11/5/2024</a:t>
+              <a:t>11/11/2024</a:t>
             </a:fld>
             <a:endParaRPr lang="en-US"/>
           </a:p>
@@ -674,7 +678,7 @@
           <a:p>
             <a:fld id="{A339839C-6F60-4C6C-A38F-A57D5A259D1F}" type="datetimeFigureOut">
               <a:rPr lang="en-US" smtClean="0"/>
-              <a:t>11/5/2024</a:t>
+              <a:t>11/11/2024</a:t>
             </a:fld>
             <a:endParaRPr lang="en-US"/>
           </a:p>
@@ -872,7 +876,7 @@
           <a:p>
             <a:fld id="{A339839C-6F60-4C6C-A38F-A57D5A259D1F}" type="datetimeFigureOut">
               <a:rPr lang="en-US" smtClean="0"/>
-              <a:t>11/5/2024</a:t>
+              <a:t>11/11/2024</a:t>
             </a:fld>
             <a:endParaRPr lang="en-US"/>
           </a:p>
@@ -1147,7 +1151,7 @@
           <a:p>
             <a:fld id="{A339839C-6F60-4C6C-A38F-A57D5A259D1F}" type="datetimeFigureOut">
               <a:rPr lang="en-US" smtClean="0"/>
-              <a:t>11/5/2024</a:t>
+              <a:t>11/11/2024</a:t>
             </a:fld>
             <a:endParaRPr lang="en-US"/>
           </a:p>
@@ -1412,7 +1416,7 @@
           <a:p>
             <a:fld id="{A339839C-6F60-4C6C-A38F-A57D5A259D1F}" type="datetimeFigureOut">
               <a:rPr lang="en-US" smtClean="0"/>
-              <a:t>11/5/2024</a:t>
+              <a:t>11/11/2024</a:t>
             </a:fld>
             <a:endParaRPr lang="en-US"/>
           </a:p>
@@ -1824,7 +1828,7 @@
           <a:p>
             <a:fld id="{A339839C-6F60-4C6C-A38F-A57D5A259D1F}" type="datetimeFigureOut">
               <a:rPr lang="en-US" smtClean="0"/>
-              <a:t>11/5/2024</a:t>
+              <a:t>11/11/2024</a:t>
             </a:fld>
             <a:endParaRPr lang="en-US"/>
           </a:p>
@@ -1965,7 +1969,7 @@
           <a:p>
             <a:fld id="{A339839C-6F60-4C6C-A38F-A57D5A259D1F}" type="datetimeFigureOut">
               <a:rPr lang="en-US" smtClean="0"/>
-              <a:t>11/5/2024</a:t>
+              <a:t>11/11/2024</a:t>
             </a:fld>
             <a:endParaRPr lang="en-US"/>
           </a:p>
@@ -2078,7 +2082,7 @@
           <a:p>
             <a:fld id="{A339839C-6F60-4C6C-A38F-A57D5A259D1F}" type="datetimeFigureOut">
               <a:rPr lang="en-US" smtClean="0"/>
-              <a:t>11/5/2024</a:t>
+              <a:t>11/11/2024</a:t>
             </a:fld>
             <a:endParaRPr lang="en-US"/>
           </a:p>
@@ -2389,7 +2393,7 @@
           <a:p>
             <a:fld id="{A339839C-6F60-4C6C-A38F-A57D5A259D1F}" type="datetimeFigureOut">
               <a:rPr lang="en-US" smtClean="0"/>
-              <a:t>11/5/2024</a:t>
+              <a:t>11/11/2024</a:t>
             </a:fld>
             <a:endParaRPr lang="en-US"/>
           </a:p>
@@ -2677,7 +2681,7 @@
           <a:p>
             <a:fld id="{A339839C-6F60-4C6C-A38F-A57D5A259D1F}" type="datetimeFigureOut">
               <a:rPr lang="en-US" smtClean="0"/>
-              <a:t>11/5/2024</a:t>
+              <a:t>11/11/2024</a:t>
             </a:fld>
             <a:endParaRPr lang="en-US"/>
           </a:p>
@@ -2918,7 +2922,7 @@
           <a:p>
             <a:fld id="{A339839C-6F60-4C6C-A38F-A57D5A259D1F}" type="datetimeFigureOut">
               <a:rPr lang="en-US" smtClean="0"/>
-              <a:t>11/5/2024</a:t>
+              <a:t>11/11/2024</a:t>
             </a:fld>
             <a:endParaRPr lang="en-US"/>
           </a:p>
@@ -3704,10 +3708,10 @@
       </p:grpSpPr>
       <p:sp useBgFill="1">
         <p:nvSpPr>
-          <p:cNvPr id="3097" name="Rectangle 3096">
-            <a:extLst>
-              <a:ext uri="{FF2B5EF4-FFF2-40B4-BE49-F238E27FC236}">
-                <a16:creationId xmlns:a16="http://schemas.microsoft.com/office/drawing/2014/main" id="{058A14AF-9FB5-4CC7-BA35-E8E85D3EDF0E}"/>
+          <p:cNvPr id="3108" name="Rectangle 3107">
+            <a:extLst>
+              <a:ext uri="{FF2B5EF4-FFF2-40B4-BE49-F238E27FC236}">
+                <a16:creationId xmlns:a16="http://schemas.microsoft.com/office/drawing/2014/main" id="{777A147A-9ED8-46B4-8660-1B3C2AA880B5}"/>
               </a:ext>
               <a:ext uri="{C183D7F6-B498-43B3-948B-1728B52AA6E4}">
                 <adec:decorative xmlns:adec="http://schemas.microsoft.com/office/drawing/2017/decorative" val="1"/>
@@ -3728,7 +3732,7 @@
         <p:spPr>
           <a:xfrm>
             <a:off x="0" y="0"/>
-            <a:ext cx="12191999" cy="6857365"/>
+            <a:ext cx="12188952" cy="6858000"/>
           </a:xfrm>
           <a:prstGeom prst="rect">
             <a:avLst/>
@@ -3780,29 +3784,29 @@
         </p:nvSpPr>
         <p:spPr>
           <a:xfrm>
-            <a:off x="793662" y="386930"/>
-            <a:ext cx="10066122" cy="1298448"/>
+            <a:off x="841248" y="548640"/>
+            <a:ext cx="3600860" cy="5431536"/>
           </a:xfrm>
         </p:spPr>
         <p:txBody>
-          <a:bodyPr anchor="b">
+          <a:bodyPr>
             <a:normAutofit/>
           </a:bodyPr>
           <a:lstStyle/>
           <a:p>
             <a:r>
-              <a:rPr lang="en-US" sz="4100"/>
-              <a:t>TE 2: Assessing trends in anomalous weather events</a:t>
-            </a:r>
-          </a:p>
-        </p:txBody>
-      </p:sp>
-      <p:sp>
-        <p:nvSpPr>
-          <p:cNvPr id="3099" name="Rectangle 3098">
-            <a:extLst>
-              <a:ext uri="{FF2B5EF4-FFF2-40B4-BE49-F238E27FC236}">
-                <a16:creationId xmlns:a16="http://schemas.microsoft.com/office/drawing/2014/main" id="{3A9A4357-BD1D-4622-A4FE-766E6AB8DE84}"/>
+              <a:rPr lang="en-US" sz="5400" dirty="0"/>
+              <a:t>TE 2 task: Assessing trends in anomalous weather events</a:t>
+            </a:r>
+          </a:p>
+        </p:txBody>
+      </p:sp>
+      <p:sp>
+        <p:nvSpPr>
+          <p:cNvPr id="3110" name="sketch line">
+            <a:extLst>
+              <a:ext uri="{FF2B5EF4-FFF2-40B4-BE49-F238E27FC236}">
+                <a16:creationId xmlns:a16="http://schemas.microsoft.com/office/drawing/2014/main" id="{5D6C15A0-C087-4593-8414-2B4EC1CDC3DE}"/>
               </a:ext>
               <a:ext uri="{C183D7F6-B498-43B3-948B-1728B52AA6E4}">
                 <adec:decorative xmlns:adec="http://schemas.microsoft.com/office/drawing/2017/decorative" val="1"/>
@@ -3821,18 +3825,298 @@
           </p:nvPr>
         </p:nvSpPr>
         <p:spPr>
-          <a:xfrm flipH="1" flipV="1">
-            <a:off x="-2" y="1998845"/>
-            <a:ext cx="11454595" cy="781699"/>
+          <a:xfrm rot="5400000">
+            <a:off x="2543983" y="3258715"/>
+            <a:ext cx="4480560" cy="18288"/>
           </a:xfrm>
-          <a:prstGeom prst="rect">
+          <a:custGeom>
             <a:avLst/>
-          </a:prstGeom>
+            <a:gdLst>
+              <a:gd name="connsiteX0" fmla="*/ 0 w 4480560"/>
+              <a:gd name="connsiteY0" fmla="*/ 0 h 18288"/>
+              <a:gd name="connsiteX1" fmla="*/ 595274 w 4480560"/>
+              <a:gd name="connsiteY1" fmla="*/ 0 h 18288"/>
+              <a:gd name="connsiteX2" fmla="*/ 1100938 w 4480560"/>
+              <a:gd name="connsiteY2" fmla="*/ 0 h 18288"/>
+              <a:gd name="connsiteX3" fmla="*/ 1651406 w 4480560"/>
+              <a:gd name="connsiteY3" fmla="*/ 0 h 18288"/>
+              <a:gd name="connsiteX4" fmla="*/ 2336292 w 4480560"/>
+              <a:gd name="connsiteY4" fmla="*/ 0 h 18288"/>
+              <a:gd name="connsiteX5" fmla="*/ 2931566 w 4480560"/>
+              <a:gd name="connsiteY5" fmla="*/ 0 h 18288"/>
+              <a:gd name="connsiteX6" fmla="*/ 3482035 w 4480560"/>
+              <a:gd name="connsiteY6" fmla="*/ 0 h 18288"/>
+              <a:gd name="connsiteX7" fmla="*/ 4480560 w 4480560"/>
+              <a:gd name="connsiteY7" fmla="*/ 0 h 18288"/>
+              <a:gd name="connsiteX8" fmla="*/ 4480560 w 4480560"/>
+              <a:gd name="connsiteY8" fmla="*/ 18288 h 18288"/>
+              <a:gd name="connsiteX9" fmla="*/ 3840480 w 4480560"/>
+              <a:gd name="connsiteY9" fmla="*/ 18288 h 18288"/>
+              <a:gd name="connsiteX10" fmla="*/ 3290011 w 4480560"/>
+              <a:gd name="connsiteY10" fmla="*/ 18288 h 18288"/>
+              <a:gd name="connsiteX11" fmla="*/ 2560320 w 4480560"/>
+              <a:gd name="connsiteY11" fmla="*/ 18288 h 18288"/>
+              <a:gd name="connsiteX12" fmla="*/ 1965046 w 4480560"/>
+              <a:gd name="connsiteY12" fmla="*/ 18288 h 18288"/>
+              <a:gd name="connsiteX13" fmla="*/ 1459382 w 4480560"/>
+              <a:gd name="connsiteY13" fmla="*/ 18288 h 18288"/>
+              <a:gd name="connsiteX14" fmla="*/ 774497 w 4480560"/>
+              <a:gd name="connsiteY14" fmla="*/ 18288 h 18288"/>
+              <a:gd name="connsiteX15" fmla="*/ 0 w 4480560"/>
+              <a:gd name="connsiteY15" fmla="*/ 18288 h 18288"/>
+              <a:gd name="connsiteX16" fmla="*/ 0 w 4480560"/>
+              <a:gd name="connsiteY16" fmla="*/ 0 h 18288"/>
+            </a:gdLst>
+            <a:ahLst/>
+            <a:cxnLst>
+              <a:cxn ang="0">
+                <a:pos x="connsiteX0" y="connsiteY0"/>
+              </a:cxn>
+              <a:cxn ang="0">
+                <a:pos x="connsiteX1" y="connsiteY1"/>
+              </a:cxn>
+              <a:cxn ang="0">
+                <a:pos x="connsiteX2" y="connsiteY2"/>
+              </a:cxn>
+              <a:cxn ang="0">
+                <a:pos x="connsiteX3" y="connsiteY3"/>
+              </a:cxn>
+              <a:cxn ang="0">
+                <a:pos x="connsiteX4" y="connsiteY4"/>
+              </a:cxn>
+              <a:cxn ang="0">
+                <a:pos x="connsiteX5" y="connsiteY5"/>
+              </a:cxn>
+              <a:cxn ang="0">
+                <a:pos x="connsiteX6" y="connsiteY6"/>
+              </a:cxn>
+              <a:cxn ang="0">
+                <a:pos x="connsiteX7" y="connsiteY7"/>
+              </a:cxn>
+              <a:cxn ang="0">
+                <a:pos x="connsiteX8" y="connsiteY8"/>
+              </a:cxn>
+              <a:cxn ang="0">
+                <a:pos x="connsiteX9" y="connsiteY9"/>
+              </a:cxn>
+              <a:cxn ang="0">
+                <a:pos x="connsiteX10" y="connsiteY10"/>
+              </a:cxn>
+              <a:cxn ang="0">
+                <a:pos x="connsiteX11" y="connsiteY11"/>
+              </a:cxn>
+              <a:cxn ang="0">
+                <a:pos x="connsiteX12" y="connsiteY12"/>
+              </a:cxn>
+              <a:cxn ang="0">
+                <a:pos x="connsiteX13" y="connsiteY13"/>
+              </a:cxn>
+              <a:cxn ang="0">
+                <a:pos x="connsiteX14" y="connsiteY14"/>
+              </a:cxn>
+              <a:cxn ang="0">
+                <a:pos x="connsiteX15" y="connsiteY15"/>
+              </a:cxn>
+              <a:cxn ang="0">
+                <a:pos x="connsiteX16" y="connsiteY16"/>
+              </a:cxn>
+            </a:cxnLst>
+            <a:rect l="l" t="t" r="r" b="b"/>
+            <a:pathLst>
+              <a:path w="4480560" h="18288" fill="none" extrusionOk="0">
+                <a:moveTo>
+                  <a:pt x="0" y="0"/>
+                </a:moveTo>
+                <a:cubicBezTo>
+                  <a:pt x="267821" y="8731"/>
+                  <a:pt x="334105" y="2629"/>
+                  <a:pt x="595274" y="0"/>
+                </a:cubicBezTo>
+                <a:cubicBezTo>
+                  <a:pt x="856443" y="-2629"/>
+                  <a:pt x="863808" y="-13353"/>
+                  <a:pt x="1100938" y="0"/>
+                </a:cubicBezTo>
+                <a:cubicBezTo>
+                  <a:pt x="1338068" y="13353"/>
+                  <a:pt x="1431663" y="-25862"/>
+                  <a:pt x="1651406" y="0"/>
+                </a:cubicBezTo>
+                <a:cubicBezTo>
+                  <a:pt x="1871149" y="25862"/>
+                  <a:pt x="2173163" y="23827"/>
+                  <a:pt x="2336292" y="0"/>
+                </a:cubicBezTo>
+                <a:cubicBezTo>
+                  <a:pt x="2499421" y="-23827"/>
+                  <a:pt x="2720589" y="28148"/>
+                  <a:pt x="2931566" y="0"/>
+                </a:cubicBezTo>
+                <a:cubicBezTo>
+                  <a:pt x="3142543" y="-28148"/>
+                  <a:pt x="3323630" y="27022"/>
+                  <a:pt x="3482035" y="0"/>
+                </a:cubicBezTo>
+                <a:cubicBezTo>
+                  <a:pt x="3640440" y="-27022"/>
+                  <a:pt x="4012110" y="-20118"/>
+                  <a:pt x="4480560" y="0"/>
+                </a:cubicBezTo>
+                <a:cubicBezTo>
+                  <a:pt x="4480958" y="7429"/>
+                  <a:pt x="4480540" y="10822"/>
+                  <a:pt x="4480560" y="18288"/>
+                </a:cubicBezTo>
+                <a:cubicBezTo>
+                  <a:pt x="4314132" y="14924"/>
+                  <a:pt x="4028383" y="36632"/>
+                  <a:pt x="3840480" y="18288"/>
+                </a:cubicBezTo>
+                <a:cubicBezTo>
+                  <a:pt x="3652577" y="-56"/>
+                  <a:pt x="3547615" y="2848"/>
+                  <a:pt x="3290011" y="18288"/>
+                </a:cubicBezTo>
+                <a:cubicBezTo>
+                  <a:pt x="3032407" y="33728"/>
+                  <a:pt x="2830268" y="8719"/>
+                  <a:pt x="2560320" y="18288"/>
+                </a:cubicBezTo>
+                <a:cubicBezTo>
+                  <a:pt x="2290372" y="27857"/>
+                  <a:pt x="2147422" y="6728"/>
+                  <a:pt x="1965046" y="18288"/>
+                </a:cubicBezTo>
+                <a:cubicBezTo>
+                  <a:pt x="1782670" y="29848"/>
+                  <a:pt x="1689791" y="40680"/>
+                  <a:pt x="1459382" y="18288"/>
+                </a:cubicBezTo>
+                <a:cubicBezTo>
+                  <a:pt x="1228973" y="-4104"/>
+                  <a:pt x="915486" y="36501"/>
+                  <a:pt x="774497" y="18288"/>
+                </a:cubicBezTo>
+                <a:cubicBezTo>
+                  <a:pt x="633508" y="75"/>
+                  <a:pt x="361442" y="-11107"/>
+                  <a:pt x="0" y="18288"/>
+                </a:cubicBezTo>
+                <a:cubicBezTo>
+                  <a:pt x="-591" y="13205"/>
+                  <a:pt x="-663" y="6329"/>
+                  <a:pt x="0" y="0"/>
+                </a:cubicBezTo>
+                <a:close/>
+              </a:path>
+              <a:path w="4480560" h="18288" stroke="0" extrusionOk="0">
+                <a:moveTo>
+                  <a:pt x="0" y="0"/>
+                </a:moveTo>
+                <a:cubicBezTo>
+                  <a:pt x="285465" y="225"/>
+                  <a:pt x="322691" y="16223"/>
+                  <a:pt x="595274" y="0"/>
+                </a:cubicBezTo>
+                <a:cubicBezTo>
+                  <a:pt x="867857" y="-16223"/>
+                  <a:pt x="989129" y="-11242"/>
+                  <a:pt x="1100938" y="0"/>
+                </a:cubicBezTo>
+                <a:cubicBezTo>
+                  <a:pt x="1212747" y="11242"/>
+                  <a:pt x="1574350" y="-36410"/>
+                  <a:pt x="1830629" y="0"/>
+                </a:cubicBezTo>
+                <a:cubicBezTo>
+                  <a:pt x="2086908" y="36410"/>
+                  <a:pt x="2180922" y="4645"/>
+                  <a:pt x="2425903" y="0"/>
+                </a:cubicBezTo>
+                <a:cubicBezTo>
+                  <a:pt x="2670884" y="-4645"/>
+                  <a:pt x="2782024" y="22929"/>
+                  <a:pt x="3021178" y="0"/>
+                </a:cubicBezTo>
+                <a:cubicBezTo>
+                  <a:pt x="3260332" y="-22929"/>
+                  <a:pt x="3456982" y="-1586"/>
+                  <a:pt x="3750869" y="0"/>
+                </a:cubicBezTo>
+                <a:cubicBezTo>
+                  <a:pt x="4044756" y="1586"/>
+                  <a:pt x="4302726" y="17043"/>
+                  <a:pt x="4480560" y="0"/>
+                </a:cubicBezTo>
+                <a:cubicBezTo>
+                  <a:pt x="4479674" y="5429"/>
+                  <a:pt x="4481381" y="14046"/>
+                  <a:pt x="4480560" y="18288"/>
+                </a:cubicBezTo>
+                <a:cubicBezTo>
+                  <a:pt x="4279652" y="-6850"/>
+                  <a:pt x="4200762" y="41566"/>
+                  <a:pt x="3930091" y="18288"/>
+                </a:cubicBezTo>
+                <a:cubicBezTo>
+                  <a:pt x="3659420" y="-4990"/>
+                  <a:pt x="3456052" y="22294"/>
+                  <a:pt x="3290011" y="18288"/>
+                </a:cubicBezTo>
+                <a:cubicBezTo>
+                  <a:pt x="3123970" y="14282"/>
+                  <a:pt x="2882392" y="32818"/>
+                  <a:pt x="2649931" y="18288"/>
+                </a:cubicBezTo>
+                <a:cubicBezTo>
+                  <a:pt x="2417470" y="3758"/>
+                  <a:pt x="2238426" y="7337"/>
+                  <a:pt x="2054657" y="18288"/>
+                </a:cubicBezTo>
+                <a:cubicBezTo>
+                  <a:pt x="1870888" y="29239"/>
+                  <a:pt x="1566368" y="45040"/>
+                  <a:pt x="1324966" y="18288"/>
+                </a:cubicBezTo>
+                <a:cubicBezTo>
+                  <a:pt x="1083564" y="-8464"/>
+                  <a:pt x="787410" y="10946"/>
+                  <a:pt x="595274" y="18288"/>
+                </a:cubicBezTo>
+                <a:cubicBezTo>
+                  <a:pt x="403138" y="25630"/>
+                  <a:pt x="169622" y="10499"/>
+                  <a:pt x="0" y="18288"/>
+                </a:cubicBezTo>
+                <a:cubicBezTo>
+                  <a:pt x="668" y="13665"/>
+                  <a:pt x="578" y="5675"/>
+                  <a:pt x="0" y="0"/>
+                </a:cubicBezTo>
+                <a:close/>
+              </a:path>
+            </a:pathLst>
+          </a:custGeom>
           <a:solidFill>
-            <a:schemeClr val="accent4"/>
+            <a:schemeClr val="accent2"/>
           </a:solidFill>
-          <a:ln>
-            <a:noFill/>
+          <a:ln w="41275" cap="rnd">
+            <a:solidFill>
+              <a:schemeClr val="accent2"/>
+            </a:solidFill>
+            <a:round/>
+            <a:extLst>
+              <a:ext uri="{C807C97D-BFC1-408E-A445-0C87EB9F89A2}">
+                <ask:lineSketchStyleProps xmlns:ask="http://schemas.microsoft.com/office/drawing/2018/sketchyshapes" sd="1219033472">
+                  <a:prstGeom prst="rect">
+                    <a:avLst/>
+                  </a:prstGeom>
+                  <ask:type>
+                    <ask:lineSketchFreehand/>
+                  </ask:type>
+                </ask:lineSketchStyleProps>
+              </a:ext>
+            </a:extLst>
           </a:ln>
         </p:spPr>
         <p:style>
@@ -3862,94 +4146,24 @@
       </p:sp>
       <p:sp>
         <p:nvSpPr>
-          <p:cNvPr id="3101" name="Rectangle 3100">
-            <a:extLst>
-              <a:ext uri="{FF2B5EF4-FFF2-40B4-BE49-F238E27FC236}">
-                <a16:creationId xmlns:a16="http://schemas.microsoft.com/office/drawing/2014/main" id="{E659831F-0D9A-4C63-9EBB-8435B85A440F}"/>
-              </a:ext>
-              <a:ext uri="{C183D7F6-B498-43B3-948B-1728B52AA6E4}">
-                <adec:decorative xmlns:adec="http://schemas.microsoft.com/office/drawing/2017/decorative" val="1"/>
-              </a:ext>
-            </a:extLst>
-          </p:cNvPr>
-          <p:cNvSpPr>
-            <a:spLocks noGrp="1" noRot="1" noChangeAspect="1" noMove="1" noResize="1" noEditPoints="1" noAdjustHandles="1" noChangeArrowheads="1" noChangeShapeType="1" noTextEdit="1"/>
-          </p:cNvSpPr>
-          <p:nvPr>
-            <p:extLst>
-              <p:ext uri="{386F3935-93C4-4BCD-93E2-E3B085C9AB24}">
-                <p16:designElem xmlns:p16="http://schemas.microsoft.com/office/powerpoint/2015/main" val="1"/>
-              </p:ext>
-            </p:extLst>
+          <p:cNvPr id="3" name="Content Placeholder 2">
+            <a:extLst>
+              <a:ext uri="{FF2B5EF4-FFF2-40B4-BE49-F238E27FC236}">
+                <a16:creationId xmlns:a16="http://schemas.microsoft.com/office/drawing/2014/main" id="{313EB170-B59F-DF03-C94B-108F61EE06B5}"/>
+              </a:ext>
+            </a:extLst>
+          </p:cNvPr>
+          <p:cNvSpPr>
+            <a:spLocks noGrp="1"/>
+          </p:cNvSpPr>
+          <p:nvPr>
+            <p:ph idx="1"/>
           </p:nvPr>
         </p:nvSpPr>
         <p:spPr>
           <a:xfrm>
-            <a:off x="0" y="2203079"/>
-            <a:ext cx="11383362" cy="4267991"/>
-          </a:xfrm>
-          <a:prstGeom prst="rect">
-            <a:avLst/>
-          </a:prstGeom>
-          <a:solidFill>
-            <a:schemeClr val="bg1"/>
-          </a:solidFill>
-          <a:ln>
-            <a:noFill/>
-          </a:ln>
-          <a:effectLst>
-            <a:outerShdw blurRad="139700" dist="127000" dir="5400000" algn="t" rotWithShape="0">
-              <a:prstClr val="black">
-                <a:alpha val="15000"/>
-              </a:prstClr>
-            </a:outerShdw>
-          </a:effectLst>
-        </p:spPr>
-        <p:style>
-          <a:lnRef idx="2">
-            <a:schemeClr val="accent1">
-              <a:shade val="50000"/>
-            </a:schemeClr>
-          </a:lnRef>
-          <a:fillRef idx="1">
-            <a:schemeClr val="accent1"/>
-          </a:fillRef>
-          <a:effectRef idx="0">
-            <a:schemeClr val="accent1"/>
-          </a:effectRef>
-          <a:fontRef idx="minor">
-            <a:schemeClr val="lt1"/>
-          </a:fontRef>
-        </p:style>
-        <p:txBody>
-          <a:bodyPr rtlCol="0" anchor="ctr"/>
-          <a:lstStyle/>
-          <a:p>
-            <a:pPr algn="ctr"/>
-            <a:endParaRPr lang="en-US"/>
-          </a:p>
-        </p:txBody>
-      </p:sp>
-      <p:sp>
-        <p:nvSpPr>
-          <p:cNvPr id="3" name="Content Placeholder 2">
-            <a:extLst>
-              <a:ext uri="{FF2B5EF4-FFF2-40B4-BE49-F238E27FC236}">
-                <a16:creationId xmlns:a16="http://schemas.microsoft.com/office/drawing/2014/main" id="{313EB170-B59F-DF03-C94B-108F61EE06B5}"/>
-              </a:ext>
-            </a:extLst>
-          </p:cNvPr>
-          <p:cNvSpPr>
-            <a:spLocks noGrp="1"/>
-          </p:cNvSpPr>
-          <p:nvPr>
-            <p:ph idx="1"/>
-          </p:nvPr>
-        </p:nvSpPr>
-        <p:spPr>
-          <a:xfrm>
-            <a:off x="793661" y="2599509"/>
-            <a:ext cx="4530898" cy="3639450"/>
+            <a:off x="5126418" y="552091"/>
+            <a:ext cx="6224335" cy="5431536"/>
           </a:xfrm>
         </p:spPr>
         <p:txBody>
@@ -3959,171 +4173,75 @@
           <a:lstStyle/>
           <a:p>
             <a:r>
-              <a:rPr lang="en-US" sz="1700" b="1"/>
-              <a:t>Task</a:t>
-            </a:r>
-            <a:r>
-              <a:rPr lang="en-US" sz="1700"/>
-              <a:t>: Understand the rate of change of rare weather events in regional Europe to gain more insight into shifting climate behavior.</a:t>
-            </a:r>
-          </a:p>
-          <a:p>
-            <a:r>
-              <a:rPr lang="en-US" sz="1700" b="1"/>
+              <a:rPr lang="en-US" sz="2200" b="1" dirty="0"/>
               <a:t>Approach</a:t>
             </a:r>
             <a:r>
-              <a:rPr lang="en-US" sz="1700"/>
+              <a:rPr lang="en-US" sz="2200" dirty="0"/>
               <a:t>: Implement </a:t>
             </a:r>
             <a:r>
-              <a:rPr lang="en-US" sz="1700" b="1"/>
+              <a:rPr lang="en-US" sz="2200" b="1" dirty="0"/>
               <a:t>RNNs</a:t>
             </a:r>
             <a:r>
-              <a:rPr lang="en-US" sz="1700"/>
-              <a:t> to analyze sequential data and detect trends over time; use </a:t>
-            </a:r>
-            <a:r>
-              <a:rPr lang="en-US" sz="1700" b="1"/>
+              <a:rPr lang="en-US" sz="2200" dirty="0"/>
+              <a:t> to analyze trends over time; use </a:t>
+            </a:r>
+            <a:r>
+              <a:rPr lang="en-US" sz="2200" b="1" dirty="0"/>
               <a:t>random forests </a:t>
             </a:r>
             <a:r>
-              <a:rPr lang="en-US" sz="1700"/>
-              <a:t>to model feature importance for these events.</a:t>
-            </a:r>
-          </a:p>
-          <a:p>
-            <a:r>
-              <a:rPr lang="en-US" sz="1700" b="1"/>
-              <a:t>Data Requirements</a:t>
-            </a:r>
-            <a:r>
-              <a:rPr lang="en-US" sz="1700"/>
-              <a:t>: Historical regional weather data.</a:t>
-            </a:r>
-          </a:p>
-          <a:p>
-            <a:r>
-              <a:rPr lang="en-US" sz="1700" b="1"/>
+              <a:rPr lang="en-US" sz="2200" dirty="0"/>
+              <a:t>to detect important variables for these events.</a:t>
+            </a:r>
+          </a:p>
+          <a:p>
+            <a:r>
+              <a:rPr lang="en-US" sz="2200" b="1" dirty="0"/>
               <a:t>Data Bias</a:t>
             </a:r>
             <a:r>
-              <a:rPr lang="en-US" sz="1700"/>
+              <a:rPr lang="en-US" sz="2200" dirty="0"/>
               <a:t>: Climate risk evaluations could be affected by regions who are underrepresented in the dataset. </a:t>
             </a:r>
           </a:p>
           <a:p>
-            <a:endParaRPr lang="en-US" sz="1700"/>
-          </a:p>
-        </p:txBody>
-      </p:sp>
-      <p:pic>
-        <p:nvPicPr>
-          <p:cNvPr id="3076" name="Picture 4" descr="Extreme weather">
-            <a:extLst>
-              <a:ext uri="{FF2B5EF4-FFF2-40B4-BE49-F238E27FC236}">
-                <a16:creationId xmlns:a16="http://schemas.microsoft.com/office/drawing/2014/main" id="{0B3A1DD0-63C4-36A6-3B94-4D32C37D25F1}"/>
-              </a:ext>
-            </a:extLst>
-          </p:cNvPr>
-          <p:cNvPicPr>
-            <a:picLocks noChangeAspect="1" noChangeArrowheads="1"/>
-          </p:cNvPicPr>
-          <p:nvPr/>
-        </p:nvPicPr>
-        <p:blipFill>
-          <a:blip r:embed="rId2">
-            <a:extLst>
-              <a:ext uri="{28A0092B-C50C-407E-A947-70E740481C1C}">
-                <a14:useLocalDpi xmlns:a14="http://schemas.microsoft.com/office/drawing/2010/main" val="0"/>
-              </a:ext>
-            </a:extLst>
-          </a:blip>
-          <a:stretch>
-            <a:fillRect/>
-          </a:stretch>
-        </p:blipFill>
-        <p:spPr bwMode="auto">
-          <a:xfrm>
-            <a:off x="5911532" y="2892862"/>
-            <a:ext cx="5150277" cy="2897030"/>
-          </a:xfrm>
-          <a:prstGeom prst="rect">
-            <a:avLst/>
-          </a:prstGeom>
-          <a:noFill/>
-          <a:extLst>
-            <a:ext uri="{909E8E84-426E-40DD-AFC4-6F175D3DCCD1}">
-              <a14:hiddenFill xmlns:a14="http://schemas.microsoft.com/office/drawing/2010/main">
-                <a:solidFill>
-                  <a:srgbClr val="FFFFFF"/>
-                </a:solidFill>
-              </a14:hiddenFill>
-            </a:ext>
-          </a:extLst>
-        </p:spPr>
-      </p:pic>
-      <p:sp>
-        <p:nvSpPr>
-          <p:cNvPr id="3103" name="Rectangle 3102">
-            <a:extLst>
-              <a:ext uri="{FF2B5EF4-FFF2-40B4-BE49-F238E27FC236}">
-                <a16:creationId xmlns:a16="http://schemas.microsoft.com/office/drawing/2014/main" id="{E6995CE5-F890-4ABA-82A2-26507CE8D2A3}"/>
-              </a:ext>
-              <a:ext uri="{C183D7F6-B498-43B3-948B-1728B52AA6E4}">
-                <adec:decorative xmlns:adec="http://schemas.microsoft.com/office/drawing/2017/decorative" val="1"/>
-              </a:ext>
-            </a:extLst>
-          </p:cNvPr>
-          <p:cNvSpPr>
-            <a:spLocks noGrp="1" noRot="1" noChangeAspect="1" noMove="1" noResize="1" noEditPoints="1" noAdjustHandles="1" noChangeArrowheads="1" noChangeShapeType="1" noTextEdit="1"/>
-          </p:cNvSpPr>
-          <p:nvPr>
-            <p:extLst>
-              <p:ext uri="{386F3935-93C4-4BCD-93E2-E3B085C9AB24}">
-                <p16:designElem xmlns:p16="http://schemas.microsoft.com/office/powerpoint/2015/main" val="1"/>
-              </p:ext>
-            </p:extLst>
-          </p:nvPr>
-        </p:nvSpPr>
-        <p:spPr>
-          <a:xfrm rot="5400000">
-            <a:off x="11228040" y="2313027"/>
-            <a:ext cx="781700" cy="152382"/>
-          </a:xfrm>
-          <a:prstGeom prst="rect">
-            <a:avLst/>
-          </a:prstGeom>
-          <a:solidFill>
-            <a:schemeClr val="accent4"/>
-          </a:solidFill>
-          <a:ln>
-            <a:noFill/>
-          </a:ln>
-        </p:spPr>
-        <p:style>
-          <a:lnRef idx="2">
-            <a:schemeClr val="accent1">
-              <a:shade val="50000"/>
-            </a:schemeClr>
-          </a:lnRef>
-          <a:fillRef idx="1">
-            <a:schemeClr val="accent1"/>
-          </a:fillRef>
-          <a:effectRef idx="0">
-            <a:schemeClr val="accent1"/>
-          </a:effectRef>
-          <a:fontRef idx="minor">
-            <a:schemeClr val="lt1"/>
-          </a:fontRef>
-        </p:style>
-        <p:txBody>
-          <a:bodyPr rtlCol="0" anchor="ctr"/>
-          <a:lstStyle/>
-          <a:p>
-            <a:pPr algn="ctr"/>
-            <a:endParaRPr lang="en-US"/>
+            <a:r>
+              <a:rPr lang="en-US" sz="2200" b="1" dirty="0"/>
+              <a:t>Findings</a:t>
+            </a:r>
+            <a:r>
+              <a:rPr lang="en-US" sz="2200" dirty="0"/>
+              <a:t>: The RNN model was </a:t>
+            </a:r>
+            <a:r>
+              <a:rPr lang="en-US" sz="2200" b="1" dirty="0"/>
+              <a:t>95% accurate and above for landlocked cities </a:t>
+            </a:r>
+            <a:r>
+              <a:rPr lang="en-US" sz="2200" dirty="0"/>
+              <a:t>(such as Basel, Belgrade, Madrid) and </a:t>
+            </a:r>
+            <a:r>
+              <a:rPr lang="en-US" sz="2200" b="1" dirty="0"/>
+              <a:t>struggled with coastal cities </a:t>
+            </a:r>
+            <a:r>
+              <a:rPr lang="en-US" sz="2200" dirty="0"/>
+              <a:t>(like Oslo or Stockholm). </a:t>
+            </a:r>
+          </a:p>
+          <a:p>
+            <a:pPr lvl="1"/>
+            <a:r>
+              <a:rPr lang="en-US" sz="1800" dirty="0"/>
+              <a:t>More work needs to be done to improve model capability across diverse environments.</a:t>
+            </a:r>
+          </a:p>
+          <a:p>
+            <a:endParaRPr lang="en-US" sz="2200" dirty="0"/>
           </a:p>
         </p:txBody>
       </p:sp>
@@ -4253,9 +4371,10 @@
           </a:bodyPr>
           <a:lstStyle/>
           <a:p>
-            <a:r>
-              <a:rPr lang="en-US" sz="4100"/>
-              <a:t>TE 3: Identifying safe areas to live based on climate trends</a:t>
+            <a:pPr algn="ctr"/>
+            <a:r>
+              <a:rPr lang="en-US" sz="4100" dirty="0"/>
+              <a:t>TE 3 task: Identifying safe areas to live based on climate trends over the next 5-10 years</a:t>
             </a:r>
           </a:p>
         </p:txBody>
@@ -4467,85 +4586,56 @@
           <a:lstStyle/>
           <a:p>
             <a:r>
-              <a:rPr lang="en-US" sz="1400" b="1" dirty="0"/>
-              <a:t>Task</a:t>
-            </a:r>
-            <a:r>
-              <a:rPr lang="en-US" sz="1400" dirty="0"/>
-              <a:t>: Uncover the safest cities or regions in Europe that are least likely to suffer from climate change in the next 25-50 years.</a:t>
-            </a:r>
-          </a:p>
-          <a:p>
-            <a:r>
-              <a:rPr lang="en-US" sz="1400" b="1" dirty="0"/>
+              <a:rPr lang="en-US" sz="1800" b="1" dirty="0"/>
               <a:t>Approach</a:t>
             </a:r>
             <a:r>
-              <a:rPr lang="en-US" sz="1400" dirty="0"/>
+              <a:rPr lang="en-US" sz="1800" dirty="0"/>
               <a:t>: Use </a:t>
             </a:r>
             <a:r>
-              <a:rPr lang="en-US" sz="1400" b="1" dirty="0"/>
+              <a:rPr lang="en-US" sz="1800" b="1" dirty="0"/>
               <a:t>random forests </a:t>
             </a:r>
             <a:r>
-              <a:rPr lang="en-US" sz="1400" dirty="0"/>
+              <a:rPr lang="en-US" sz="1800" dirty="0"/>
               <a:t>to establish risky environmental features, then have </a:t>
             </a:r>
             <a:r>
-              <a:rPr lang="en-US" sz="1400" b="1" dirty="0"/>
+              <a:rPr lang="en-US" sz="1800" b="1" dirty="0"/>
               <a:t>GANs</a:t>
             </a:r>
             <a:r>
-              <a:rPr lang="en-US" sz="1400" dirty="0"/>
+              <a:rPr lang="en-US" sz="1800" dirty="0"/>
               <a:t> generate potential future scenarios for European regions. </a:t>
             </a:r>
           </a:p>
           <a:p>
-            <a:pPr lvl="1"/>
-            <a:r>
-              <a:rPr lang="en-US" sz="1400" b="1" dirty="0"/>
-              <a:t>Decision</a:t>
-            </a:r>
-            <a:r>
-              <a:rPr lang="en-US" sz="1400" dirty="0"/>
-              <a:t> </a:t>
-            </a:r>
-            <a:r>
-              <a:rPr lang="en-US" sz="1400" b="1" dirty="0"/>
-              <a:t>trees</a:t>
-            </a:r>
-            <a:r>
-              <a:rPr lang="en-US" sz="1400" dirty="0"/>
-              <a:t> and </a:t>
-            </a:r>
-            <a:r>
-              <a:rPr lang="en-US" sz="1400" b="1" dirty="0"/>
-              <a:t>KNNs</a:t>
-            </a:r>
-            <a:r>
-              <a:rPr lang="en-US" sz="1400" dirty="0"/>
-              <a:t> can also be used for risk categorization of different regions. </a:t>
-            </a:r>
-          </a:p>
-          <a:p>
-            <a:r>
-              <a:rPr lang="en-US" sz="1400" b="1" dirty="0"/>
-              <a:t>Data Requirements</a:t>
-            </a:r>
-            <a:r>
-              <a:rPr lang="en-US" sz="1400" dirty="0"/>
-              <a:t>: historical regional weather data, geospatial data, and data for city infrastructures.</a:t>
-            </a:r>
-          </a:p>
-          <a:p>
-            <a:r>
-              <a:rPr lang="en-US" sz="1400" b="1" dirty="0"/>
+            <a:r>
+              <a:rPr lang="en-US" sz="1800" b="1" dirty="0"/>
               <a:t>Data Bias</a:t>
             </a:r>
             <a:r>
-              <a:rPr lang="en-US" sz="1400" dirty="0"/>
+              <a:rPr lang="en-US" sz="1800" dirty="0"/>
               <a:t>: GANs could perpetuate biases inherent in historical data. </a:t>
+            </a:r>
+          </a:p>
+          <a:p>
+            <a:r>
+              <a:rPr lang="en-US" sz="1800" b="1" dirty="0"/>
+              <a:t>Findings</a:t>
+            </a:r>
+            <a:r>
+              <a:rPr lang="en-US" sz="1800" dirty="0"/>
+              <a:t>: my current GAN model can correctly classify weather conditions </a:t>
+            </a:r>
+            <a:r>
+              <a:rPr lang="en-US" sz="1800" b="1" dirty="0"/>
+              <a:t>82% of the time</a:t>
+            </a:r>
+            <a:r>
+              <a:rPr lang="en-US" sz="1800" dirty="0"/>
+              <a:t>, however we need more progress and training before we can predict years into the future.</a:t>
             </a:r>
           </a:p>
           <a:p>
@@ -4630,655 +4720,6 @@
 </file>
 
 <file path=ppt/slides/slide12.xml><?xml version="1.0" encoding="utf-8"?>
-<p:sld xmlns:a="http://schemas.openxmlformats.org/drawingml/2006/main" xmlns:r="http://schemas.openxmlformats.org/officeDocument/2006/relationships" xmlns:p="http://schemas.openxmlformats.org/presentationml/2006/main">
-  <p:cSld>
-    <p:bg>
-      <p:bgPr>
-        <a:solidFill>
-          <a:schemeClr val="bg1"/>
-        </a:solidFill>
-        <a:effectLst/>
-      </p:bgPr>
-    </p:bg>
-    <p:spTree>
-      <p:nvGrpSpPr>
-        <p:cNvPr id="1" name=""/>
-        <p:cNvGrpSpPr/>
-        <p:nvPr/>
-      </p:nvGrpSpPr>
-      <p:grpSpPr>
-        <a:xfrm>
-          <a:off x="0" y="0"/>
-          <a:ext cx="0" cy="0"/>
-          <a:chOff x="0" y="0"/>
-          <a:chExt cx="0" cy="0"/>
-        </a:xfrm>
-      </p:grpSpPr>
-      <p:sp useBgFill="1">
-        <p:nvSpPr>
-          <p:cNvPr id="14" name="Rectangle 13">
-            <a:extLst>
-              <a:ext uri="{FF2B5EF4-FFF2-40B4-BE49-F238E27FC236}">
-                <a16:creationId xmlns:a16="http://schemas.microsoft.com/office/drawing/2014/main" id="{EF4CB1B7-AF26-4C13-8E7D-0489A31E4B7F}"/>
-              </a:ext>
-              <a:ext uri="{C183D7F6-B498-43B3-948B-1728B52AA6E4}">
-                <adec:decorative xmlns:adec="http://schemas.microsoft.com/office/drawing/2017/decorative" val="1"/>
-              </a:ext>
-            </a:extLst>
-          </p:cNvPr>
-          <p:cNvSpPr>
-            <a:spLocks noGrp="1" noRot="1" noChangeAspect="1" noMove="1" noResize="1" noEditPoints="1" noAdjustHandles="1" noChangeArrowheads="1" noChangeShapeType="1" noTextEdit="1"/>
-          </p:cNvSpPr>
-          <p:nvPr>
-            <p:extLst>
-              <p:ext uri="{386F3935-93C4-4BCD-93E2-E3B085C9AB24}">
-                <p16:designElem xmlns:p16="http://schemas.microsoft.com/office/powerpoint/2015/main" val="1"/>
-              </p:ext>
-            </p:extLst>
-          </p:nvPr>
-        </p:nvSpPr>
-        <p:spPr>
-          <a:xfrm>
-            <a:off x="0" y="0"/>
-            <a:ext cx="12191999" cy="6857365"/>
-          </a:xfrm>
-          <a:prstGeom prst="rect">
-            <a:avLst/>
-          </a:prstGeom>
-          <a:ln>
-            <a:noFill/>
-          </a:ln>
-        </p:spPr>
-        <p:style>
-          <a:lnRef idx="2">
-            <a:schemeClr val="accent1">
-              <a:shade val="50000"/>
-            </a:schemeClr>
-          </a:lnRef>
-          <a:fillRef idx="1">
-            <a:schemeClr val="accent1"/>
-          </a:fillRef>
-          <a:effectRef idx="0">
-            <a:schemeClr val="accent1"/>
-          </a:effectRef>
-          <a:fontRef idx="minor">
-            <a:schemeClr val="lt1"/>
-          </a:fontRef>
-        </p:style>
-        <p:txBody>
-          <a:bodyPr rtlCol="0" anchor="ctr"/>
-          <a:lstStyle/>
-          <a:p>
-            <a:pPr algn="ctr"/>
-            <a:endParaRPr lang="en-US"/>
-          </a:p>
-        </p:txBody>
-      </p:sp>
-      <p:grpSp>
-        <p:nvGrpSpPr>
-          <p:cNvPr id="16" name="Group 15">
-            <a:extLst>
-              <a:ext uri="{FF2B5EF4-FFF2-40B4-BE49-F238E27FC236}">
-                <a16:creationId xmlns:a16="http://schemas.microsoft.com/office/drawing/2014/main" id="{19A6B5CE-CB1D-48EE-8B43-E952235C8371}"/>
-              </a:ext>
-              <a:ext uri="{C183D7F6-B498-43B3-948B-1728B52AA6E4}">
-                <adec:decorative xmlns:adec="http://schemas.microsoft.com/office/drawing/2017/decorative" val="1"/>
-              </a:ext>
-            </a:extLst>
-          </p:cNvPr>
-          <p:cNvGrpSpPr>
-            <a:grpSpLocks noGrp="1" noUngrp="1" noRot="1" noChangeAspect="1" noMove="1" noResize="1"/>
-          </p:cNvGrpSpPr>
-          <p:nvPr>
-            <p:extLst>
-              <p:ext uri="{386F3935-93C4-4BCD-93E2-E3B085C9AB24}">
-                <p16:designElem xmlns:p16="http://schemas.microsoft.com/office/powerpoint/2015/main" val="1"/>
-              </p:ext>
-            </p:extLst>
-          </p:nvPr>
-        </p:nvGrpSpPr>
-        <p:grpSpPr>
-          <a:xfrm rot="5400000">
-            <a:off x="-2340441" y="2666183"/>
-            <a:ext cx="5860051" cy="527712"/>
-            <a:chOff x="6081624" y="1998368"/>
-            <a:chExt cx="5613457" cy="782175"/>
-          </a:xfrm>
-          <a:solidFill>
-            <a:schemeClr val="accent4"/>
-          </a:solidFill>
-        </p:grpSpPr>
-        <p:sp>
-          <p:nvSpPr>
-            <p:cNvPr id="17" name="Rectangle 16">
-              <a:extLst>
-                <a:ext uri="{FF2B5EF4-FFF2-40B4-BE49-F238E27FC236}">
-                  <a16:creationId xmlns:a16="http://schemas.microsoft.com/office/drawing/2014/main" id="{E3F3EAA5-4E15-400B-BBA3-82B3F49A2178}"/>
-                </a:ext>
-                <a:ext uri="{C183D7F6-B498-43B3-948B-1728B52AA6E4}">
-                  <adec:decorative xmlns:adec="http://schemas.microsoft.com/office/drawing/2017/decorative" val="1"/>
-                </a:ext>
-              </a:extLst>
-            </p:cNvPr>
-            <p:cNvSpPr/>
-            <p:nvPr>
-              <p:extLst>
-                <p:ext uri="{386F3935-93C4-4BCD-93E2-E3B085C9AB24}">
-                  <p16:designElem xmlns:p16="http://schemas.microsoft.com/office/powerpoint/2015/main" val="1"/>
-                </p:ext>
-              </p:extLst>
-            </p:nvPr>
-          </p:nvSpPr>
-          <p:spPr>
-            <a:xfrm rot="5400000">
-              <a:off x="11228040" y="2313027"/>
-              <a:ext cx="781700" cy="152382"/>
-            </a:xfrm>
-            <a:prstGeom prst="rect">
-              <a:avLst/>
-            </a:prstGeom>
-            <a:grpFill/>
-            <a:ln>
-              <a:noFill/>
-            </a:ln>
-          </p:spPr>
-          <p:style>
-            <a:lnRef idx="2">
-              <a:schemeClr val="accent1">
-                <a:shade val="50000"/>
-              </a:schemeClr>
-            </a:lnRef>
-            <a:fillRef idx="1">
-              <a:schemeClr val="accent1"/>
-            </a:fillRef>
-            <a:effectRef idx="0">
-              <a:schemeClr val="accent1"/>
-            </a:effectRef>
-            <a:fontRef idx="minor">
-              <a:schemeClr val="lt1"/>
-            </a:fontRef>
-          </p:style>
-          <p:txBody>
-            <a:bodyPr rtlCol="0" anchor="ctr"/>
-            <a:lstStyle/>
-            <a:p>
-              <a:pPr algn="ctr"/>
-              <a:endParaRPr lang="en-US"/>
-            </a:p>
-          </p:txBody>
-        </p:sp>
-        <p:sp>
-          <p:nvSpPr>
-            <p:cNvPr id="18" name="Rectangle 17">
-              <a:extLst>
-                <a:ext uri="{FF2B5EF4-FFF2-40B4-BE49-F238E27FC236}">
-                  <a16:creationId xmlns:a16="http://schemas.microsoft.com/office/drawing/2014/main" id="{72BA2E40-BE9B-4C54-9CDD-40EE804CCE64}"/>
-                </a:ext>
-                <a:ext uri="{C183D7F6-B498-43B3-948B-1728B52AA6E4}">
-                  <adec:decorative xmlns:adec="http://schemas.microsoft.com/office/drawing/2017/decorative" val="1"/>
-                </a:ext>
-              </a:extLst>
-            </p:cNvPr>
-            <p:cNvSpPr/>
-            <p:nvPr>
-              <p:extLst>
-                <p:ext uri="{386F3935-93C4-4BCD-93E2-E3B085C9AB24}">
-                  <p16:designElem xmlns:p16="http://schemas.microsoft.com/office/powerpoint/2015/main" val="1"/>
-                </p:ext>
-              </p:extLst>
-            </p:nvPr>
-          </p:nvSpPr>
-          <p:spPr>
-            <a:xfrm flipH="1" flipV="1">
-              <a:off x="6081624" y="1998844"/>
-              <a:ext cx="5372968" cy="781699"/>
-            </a:xfrm>
-            <a:prstGeom prst="rect">
-              <a:avLst/>
-            </a:prstGeom>
-            <a:grpFill/>
-            <a:ln>
-              <a:noFill/>
-            </a:ln>
-          </p:spPr>
-          <p:style>
-            <a:lnRef idx="2">
-              <a:schemeClr val="accent1">
-                <a:shade val="50000"/>
-              </a:schemeClr>
-            </a:lnRef>
-            <a:fillRef idx="1">
-              <a:schemeClr val="accent1"/>
-            </a:fillRef>
-            <a:effectRef idx="0">
-              <a:schemeClr val="accent1"/>
-            </a:effectRef>
-            <a:fontRef idx="minor">
-              <a:schemeClr val="lt1"/>
-            </a:fontRef>
-          </p:style>
-          <p:txBody>
-            <a:bodyPr rtlCol="0" anchor="ctr"/>
-            <a:lstStyle/>
-            <a:p>
-              <a:pPr algn="ctr"/>
-              <a:endParaRPr lang="en-US"/>
-            </a:p>
-          </p:txBody>
-        </p:sp>
-      </p:grpSp>
-      <p:sp>
-        <p:nvSpPr>
-          <p:cNvPr id="20" name="Rectangle 19">
-            <a:extLst>
-              <a:ext uri="{FF2B5EF4-FFF2-40B4-BE49-F238E27FC236}">
-                <a16:creationId xmlns:a16="http://schemas.microsoft.com/office/drawing/2014/main" id="{0DA909B4-15FF-46A6-8A7F-7AEF977FE9ED}"/>
-              </a:ext>
-              <a:ext uri="{C183D7F6-B498-43B3-948B-1728B52AA6E4}">
-                <adec:decorative xmlns:adec="http://schemas.microsoft.com/office/drawing/2017/decorative" val="1"/>
-              </a:ext>
-            </a:extLst>
-          </p:cNvPr>
-          <p:cNvSpPr>
-            <a:spLocks noGrp="1" noRot="1" noChangeAspect="1" noMove="1" noResize="1" noEditPoints="1" noAdjustHandles="1" noChangeArrowheads="1" noChangeShapeType="1" noTextEdit="1"/>
-          </p:cNvSpPr>
-          <p:nvPr>
-            <p:extLst>
-              <p:ext uri="{386F3935-93C4-4BCD-93E2-E3B085C9AB24}">
-                <p16:designElem xmlns:p16="http://schemas.microsoft.com/office/powerpoint/2015/main" val="1"/>
-              </p:ext>
-            </p:extLst>
-          </p:nvPr>
-        </p:nvSpPr>
-        <p:spPr>
-          <a:xfrm>
-            <a:off x="579528" y="517897"/>
-            <a:ext cx="11111729" cy="5857966"/>
-          </a:xfrm>
-          <a:prstGeom prst="rect">
-            <a:avLst/>
-          </a:prstGeom>
-          <a:solidFill>
-            <a:schemeClr val="bg1"/>
-          </a:solidFill>
-          <a:ln>
-            <a:noFill/>
-          </a:ln>
-          <a:effectLst>
-            <a:outerShdw blurRad="139700" dist="127000" dir="5400000" algn="t" rotWithShape="0">
-              <a:prstClr val="black">
-                <a:alpha val="15000"/>
-              </a:prstClr>
-            </a:outerShdw>
-          </a:effectLst>
-        </p:spPr>
-        <p:style>
-          <a:lnRef idx="2">
-            <a:schemeClr val="accent1">
-              <a:shade val="50000"/>
-            </a:schemeClr>
-          </a:lnRef>
-          <a:fillRef idx="1">
-            <a:schemeClr val="accent1"/>
-          </a:fillRef>
-          <a:effectRef idx="0">
-            <a:schemeClr val="accent1"/>
-          </a:effectRef>
-          <a:fontRef idx="minor">
-            <a:schemeClr val="lt1"/>
-          </a:fontRef>
-        </p:style>
-        <p:txBody>
-          <a:bodyPr rtlCol="0" anchor="ctr"/>
-          <a:lstStyle/>
-          <a:p>
-            <a:pPr algn="ctr"/>
-            <a:endParaRPr lang="en-US"/>
-          </a:p>
-        </p:txBody>
-      </p:sp>
-      <p:sp>
-        <p:nvSpPr>
-          <p:cNvPr id="2" name="Title 1">
-            <a:extLst>
-              <a:ext uri="{FF2B5EF4-FFF2-40B4-BE49-F238E27FC236}">
-                <a16:creationId xmlns:a16="http://schemas.microsoft.com/office/drawing/2014/main" id="{F12D003A-3F98-E066-64D8-D94F99890DDA}"/>
-              </a:ext>
-            </a:extLst>
-          </p:cNvPr>
-          <p:cNvSpPr>
-            <a:spLocks noGrp="1"/>
-          </p:cNvSpPr>
-          <p:nvPr>
-            <p:ph type="title"/>
-          </p:nvPr>
-        </p:nvSpPr>
-        <p:spPr>
-          <a:xfrm>
-            <a:off x="1057025" y="922644"/>
-            <a:ext cx="5040285" cy="1169585"/>
-          </a:xfrm>
-        </p:spPr>
-        <p:txBody>
-          <a:bodyPr vert="horz" lIns="91440" tIns="45720" rIns="91440" bIns="45720" rtlCol="0" anchor="b">
-            <a:normAutofit/>
-          </a:bodyPr>
-          <a:lstStyle/>
-          <a:p>
-            <a:r>
-              <a:rPr lang="en-US" sz="3700" kern="1200">
-                <a:solidFill>
-                  <a:schemeClr val="tx1"/>
-                </a:solidFill>
-                <a:latin typeface="+mj-lt"/>
-                <a:ea typeface="+mj-ea"/>
-                <a:cs typeface="+mj-cs"/>
-              </a:rPr>
-              <a:t>These Experiments in Practice</a:t>
-            </a:r>
-          </a:p>
-        </p:txBody>
-      </p:sp>
-      <p:sp>
-        <p:nvSpPr>
-          <p:cNvPr id="22" name="Rectangle 21">
-            <a:extLst>
-              <a:ext uri="{FF2B5EF4-FFF2-40B4-BE49-F238E27FC236}">
-                <a16:creationId xmlns:a16="http://schemas.microsoft.com/office/drawing/2014/main" id="{1382A32C-5B0C-4B1C-A074-76C6DBCC9F87}"/>
-              </a:ext>
-              <a:ext uri="{C183D7F6-B498-43B3-948B-1728B52AA6E4}">
-                <adec:decorative xmlns:adec="http://schemas.microsoft.com/office/drawing/2017/decorative" val="1"/>
-              </a:ext>
-            </a:extLst>
-          </p:cNvPr>
-          <p:cNvSpPr>
-            <a:spLocks noGrp="1" noRot="1" noChangeAspect="1" noMove="1" noResize="1" noEditPoints="1" noAdjustHandles="1" noChangeArrowheads="1" noChangeShapeType="1" noTextEdit="1"/>
-          </p:cNvSpPr>
-          <p:nvPr>
-            <p:extLst>
-              <p:ext uri="{386F3935-93C4-4BCD-93E2-E3B085C9AB24}">
-                <p16:designElem xmlns:p16="http://schemas.microsoft.com/office/powerpoint/2015/main" val="1"/>
-              </p:ext>
-            </p:extLst>
-          </p:nvPr>
-        </p:nvSpPr>
-        <p:spPr>
-          <a:xfrm flipH="1">
-            <a:off x="1055714" y="2263365"/>
-            <a:ext cx="4937760" cy="27432"/>
-          </a:xfrm>
-          <a:prstGeom prst="rect">
-            <a:avLst/>
-          </a:prstGeom>
-          <a:solidFill>
-            <a:schemeClr val="accent4"/>
-          </a:solidFill>
-          <a:ln>
-            <a:noFill/>
-          </a:ln>
-        </p:spPr>
-        <p:style>
-          <a:lnRef idx="2">
-            <a:schemeClr val="accent1">
-              <a:shade val="50000"/>
-            </a:schemeClr>
-          </a:lnRef>
-          <a:fillRef idx="1">
-            <a:schemeClr val="accent1"/>
-          </a:fillRef>
-          <a:effectRef idx="0">
-            <a:schemeClr val="accent1"/>
-          </a:effectRef>
-          <a:fontRef idx="minor">
-            <a:schemeClr val="lt1"/>
-          </a:fontRef>
-        </p:style>
-        <p:txBody>
-          <a:bodyPr rtlCol="0" anchor="ctr"/>
-          <a:lstStyle/>
-          <a:p>
-            <a:pPr algn="ctr"/>
-            <a:endParaRPr lang="en-US"/>
-          </a:p>
-        </p:txBody>
-      </p:sp>
-      <p:sp>
-        <p:nvSpPr>
-          <p:cNvPr id="8" name="TextBox 7">
-            <a:extLst>
-              <a:ext uri="{FF2B5EF4-FFF2-40B4-BE49-F238E27FC236}">
-                <a16:creationId xmlns:a16="http://schemas.microsoft.com/office/drawing/2014/main" id="{D78DB0DD-FC0B-AD79-1D85-E2CCE9D75A8A}"/>
-              </a:ext>
-            </a:extLst>
-          </p:cNvPr>
-          <p:cNvSpPr txBox="1"/>
-          <p:nvPr/>
-        </p:nvSpPr>
-        <p:spPr>
-          <a:xfrm>
-            <a:off x="1055715" y="2508105"/>
-            <a:ext cx="5040285" cy="3632493"/>
-          </a:xfrm>
-          <a:prstGeom prst="rect">
-            <a:avLst/>
-          </a:prstGeom>
-        </p:spPr>
-        <p:txBody>
-          <a:bodyPr vert="horz" lIns="91440" tIns="45720" rIns="91440" bIns="45720" rtlCol="0" anchor="ctr">
-            <a:normAutofit fontScale="92500" lnSpcReduction="10000"/>
-          </a:bodyPr>
-          <a:lstStyle/>
-          <a:p>
-            <a:pPr marL="285750" indent="-228600">
-              <a:lnSpc>
-                <a:spcPct val="90000"/>
-              </a:lnSpc>
-              <a:spcAft>
-                <a:spcPts val="600"/>
-              </a:spcAft>
-              <a:buFont typeface="Arial" panose="020B0604020202020204" pitchFamily="34" charset="0"/>
-              <a:buChar char="•"/>
-            </a:pPr>
-            <a:r>
-              <a:rPr lang="en-US" sz="2000" dirty="0"/>
-              <a:t>Using a </a:t>
-            </a:r>
-            <a:r>
-              <a:rPr lang="en-US" sz="2000" b="1" dirty="0"/>
-              <a:t>random forest </a:t>
-            </a:r>
-            <a:r>
-              <a:rPr lang="en-US" sz="2000" dirty="0"/>
-              <a:t>model, I found the most important variables that determine whether a day’s weather will be pleasant or not are </a:t>
-            </a:r>
-            <a:r>
-              <a:rPr lang="en-US" sz="2000" b="1" dirty="0"/>
-              <a:t>max temperature, precipitation, and mean temperature</a:t>
-            </a:r>
-            <a:r>
-              <a:rPr lang="en-US" sz="2000" dirty="0"/>
-              <a:t>. This held true across all regions.</a:t>
-            </a:r>
-          </a:p>
-          <a:p>
-            <a:pPr marL="285750" indent="-228600">
-              <a:lnSpc>
-                <a:spcPct val="90000"/>
-              </a:lnSpc>
-              <a:spcAft>
-                <a:spcPts val="600"/>
-              </a:spcAft>
-              <a:buFont typeface="Arial" panose="020B0604020202020204" pitchFamily="34" charset="0"/>
-              <a:buChar char="•"/>
-            </a:pPr>
-            <a:r>
-              <a:rPr lang="en-US" sz="2000" dirty="0"/>
-              <a:t>Having trained </a:t>
-            </a:r>
-            <a:r>
-              <a:rPr lang="en-US" sz="2000" b="1" dirty="0"/>
-              <a:t>CNN</a:t>
-            </a:r>
-            <a:r>
-              <a:rPr lang="en-US" sz="2000" dirty="0"/>
-              <a:t> and </a:t>
-            </a:r>
-            <a:r>
-              <a:rPr lang="en-US" sz="2000" b="1" dirty="0"/>
-              <a:t>RNN</a:t>
-            </a:r>
-            <a:r>
-              <a:rPr lang="en-US" sz="2000" dirty="0"/>
-              <a:t> models to correctly predict pleasant weather days over</a:t>
-            </a:r>
-            <a:r>
-              <a:rPr lang="en-US" sz="2000" b="1" dirty="0"/>
-              <a:t> 72% of the time</a:t>
-            </a:r>
-            <a:r>
-              <a:rPr lang="en-US" sz="2000" dirty="0"/>
-              <a:t> across </a:t>
-            </a:r>
-            <a:r>
-              <a:rPr lang="en-US" sz="2000" b="1" dirty="0"/>
-              <a:t>15 different weather stations</a:t>
-            </a:r>
-            <a:r>
-              <a:rPr lang="en-US" sz="2000" dirty="0"/>
-              <a:t>, a lot of progress has been made, but there is more work to do.</a:t>
-            </a:r>
-          </a:p>
-          <a:p>
-            <a:pPr marL="285750" indent="-228600">
-              <a:lnSpc>
-                <a:spcPct val="90000"/>
-              </a:lnSpc>
-              <a:spcAft>
-                <a:spcPts val="600"/>
-              </a:spcAft>
-              <a:buFont typeface="Arial" panose="020B0604020202020204" pitchFamily="34" charset="0"/>
-              <a:buChar char="•"/>
-            </a:pPr>
-            <a:r>
-              <a:rPr lang="en-US" sz="2000" dirty="0"/>
-              <a:t>I trained a </a:t>
-            </a:r>
-            <a:r>
-              <a:rPr lang="en-US" sz="2000" b="1" dirty="0"/>
-              <a:t>GAN</a:t>
-            </a:r>
-            <a:r>
-              <a:rPr lang="en-US" sz="2000" dirty="0"/>
-              <a:t> to correctly classify different weather images </a:t>
-            </a:r>
-            <a:r>
-              <a:rPr lang="en-US" sz="2000" i="1" dirty="0"/>
-              <a:t>82% of the time</a:t>
-            </a:r>
-            <a:r>
-              <a:rPr lang="en-US" sz="2000" dirty="0"/>
-              <a:t>. </a:t>
-            </a:r>
-          </a:p>
-          <a:p>
-            <a:pPr marL="285750" indent="-228600">
-              <a:lnSpc>
-                <a:spcPct val="90000"/>
-              </a:lnSpc>
-              <a:spcAft>
-                <a:spcPts val="600"/>
-              </a:spcAft>
-              <a:buFont typeface="Arial" panose="020B0604020202020204" pitchFamily="34" charset="0"/>
-              <a:buChar char="•"/>
-            </a:pPr>
-            <a:endParaRPr lang="en-US" sz="2000" dirty="0"/>
-          </a:p>
-        </p:txBody>
-      </p:sp>
-      <p:pic>
-        <p:nvPicPr>
-          <p:cNvPr id="7" name="Picture 6" descr="A graph of a bar graph&#10;&#10;Description automatically generated with medium confidence">
-            <a:extLst>
-              <a:ext uri="{FF2B5EF4-FFF2-40B4-BE49-F238E27FC236}">
-                <a16:creationId xmlns:a16="http://schemas.microsoft.com/office/drawing/2014/main" id="{57FEE1B5-B176-EAA5-947C-A8485DFA4DFE}"/>
-              </a:ext>
-            </a:extLst>
-          </p:cNvPr>
-          <p:cNvPicPr>
-            <a:picLocks noChangeAspect="1"/>
-          </p:cNvPicPr>
-          <p:nvPr/>
-        </p:nvPicPr>
-        <p:blipFill>
-          <a:blip r:embed="rId2">
-            <a:extLst>
-              <a:ext uri="{28A0092B-C50C-407E-A947-70E740481C1C}">
-                <a14:useLocalDpi xmlns:a14="http://schemas.microsoft.com/office/drawing/2010/main" val="0"/>
-              </a:ext>
-            </a:extLst>
-          </a:blip>
-          <a:srcRect t="1576" r="2" b="2"/>
-          <a:stretch/>
-        </p:blipFill>
-        <p:spPr>
-          <a:xfrm>
-            <a:off x="6946667" y="774285"/>
-            <a:ext cx="4389120" cy="2581173"/>
-          </a:xfrm>
-          <a:prstGeom prst="rect">
-            <a:avLst/>
-          </a:prstGeom>
-        </p:spPr>
-      </p:pic>
-      <p:pic>
-        <p:nvPicPr>
-          <p:cNvPr id="5" name="Picture 4" descr="A graph of a graph with numbers and lines&#10;&#10;Description automatically generated with medium confidence">
-            <a:extLst>
-              <a:ext uri="{FF2B5EF4-FFF2-40B4-BE49-F238E27FC236}">
-                <a16:creationId xmlns:a16="http://schemas.microsoft.com/office/drawing/2014/main" id="{3D687FD7-AE68-5F17-D89B-8277433BCD65}"/>
-              </a:ext>
-            </a:extLst>
-          </p:cNvPr>
-          <p:cNvPicPr>
-            <a:picLocks noChangeAspect="1"/>
-          </p:cNvPicPr>
-          <p:nvPr/>
-        </p:nvPicPr>
-        <p:blipFill>
-          <a:blip r:embed="rId3">
-            <a:extLst>
-              <a:ext uri="{28A0092B-C50C-407E-A947-70E740481C1C}">
-                <a14:useLocalDpi xmlns:a14="http://schemas.microsoft.com/office/drawing/2010/main" val="0"/>
-              </a:ext>
-            </a:extLst>
-          </a:blip>
-          <a:srcRect r="2" b="21328"/>
-          <a:stretch/>
-        </p:blipFill>
-        <p:spPr>
-          <a:xfrm>
-            <a:off x="6946667" y="3502542"/>
-            <a:ext cx="4389120" cy="2581173"/>
-          </a:xfrm>
-          <a:prstGeom prst="rect">
-            <a:avLst/>
-          </a:prstGeom>
-        </p:spPr>
-      </p:pic>
-    </p:spTree>
-    <p:extLst>
-      <p:ext uri="{BB962C8B-B14F-4D97-AF65-F5344CB8AC3E}">
-        <p14:creationId xmlns:p14="http://schemas.microsoft.com/office/powerpoint/2010/main" val="3348804013"/>
-      </p:ext>
-    </p:extLst>
-  </p:cSld>
-  <p:clrMapOvr>
-    <a:masterClrMapping/>
-  </p:clrMapOvr>
-</p:sld>
-</file>
-
-<file path=ppt/slides/slide13.xml><?xml version="1.0" encoding="utf-8"?>
 <p:sld xmlns:a="http://schemas.openxmlformats.org/drawingml/2006/main" xmlns:r="http://schemas.openxmlformats.org/officeDocument/2006/relationships" xmlns:p="http://schemas.openxmlformats.org/presentationml/2006/main">
   <p:cSld>
     <p:bg>
@@ -5588,32 +5029,22 @@
           <a:lstStyle/>
           <a:p>
             <a:r>
-              <a:rPr lang="en-US" sz="1400" b="1"/>
-              <a:t>Equitable information access</a:t>
-            </a:r>
-            <a:r>
-              <a:rPr lang="en-US" sz="1400"/>
-              <a:t>: if one- or all- of these climate endeavors ends in us generating useful, actionable insights, it is our responsibility to disseminate this information to all corners, allowing those with less information access to make decisions if their homes are or will be affected.</a:t>
-            </a:r>
-          </a:p>
-          <a:p>
-            <a:r>
-              <a:rPr lang="en-US" sz="1400" b="1"/>
+              <a:rPr lang="en-US" sz="2200" b="1" dirty="0"/>
               <a:t>Responsible communication</a:t>
             </a:r>
             <a:r>
-              <a:rPr lang="en-US" sz="1400"/>
-              <a:t>: we also must communicate any dangers with appropriate temperance and an even-keeled demeanor, upholding transparency but also avoiding any cause for public panic. </a:t>
-            </a:r>
-          </a:p>
-          <a:p>
-            <a:r>
-              <a:rPr lang="en-US" sz="1400" b="1"/>
+              <a:rPr lang="en-US" sz="2200" dirty="0"/>
+              <a:t>: we must be transparent in our communication and ensure all relevant areas/regions are notified of our findings.</a:t>
+            </a:r>
+          </a:p>
+          <a:p>
+            <a:r>
+              <a:rPr lang="en-US" sz="2200" b="1" dirty="0"/>
               <a:t>Financial incentives</a:t>
             </a:r>
             <a:r>
-              <a:rPr lang="en-US" sz="1400"/>
-              <a:t>: the information generated could be mishandled for financial gain (changing property values, etc.).</a:t>
+              <a:rPr lang="en-US" sz="2200" dirty="0"/>
+              <a:t>: the information generated could be mishandled for financial gain.</a:t>
             </a:r>
           </a:p>
         </p:txBody>
@@ -5660,7 +5091,7 @@
 </p:sld>
 </file>
 
-<file path=ppt/slides/slide14.xml><?xml version="1.0" encoding="utf-8"?>
+<file path=ppt/slides/slide13.xml><?xml version="1.0" encoding="utf-8"?>
 <p:sld xmlns:a="http://schemas.openxmlformats.org/drawingml/2006/main" xmlns:r="http://schemas.openxmlformats.org/officeDocument/2006/relationships" xmlns:p="http://schemas.openxmlformats.org/presentationml/2006/main">
   <p:cSld>
     <p:bg>
@@ -6465,46 +5896,36 @@
           </a:xfrm>
         </p:spPr>
         <p:txBody>
-          <a:bodyPr anchor="t">
+          <a:bodyPr anchor="ctr">
             <a:normAutofit/>
           </a:bodyPr>
           <a:lstStyle/>
           <a:p>
             <a:r>
-              <a:rPr lang="en-US" sz="1900" dirty="0"/>
-              <a:t>While the </a:t>
-            </a:r>
-            <a:r>
-              <a:rPr lang="en-US" sz="1900" b="1" dirty="0"/>
-              <a:t>third option </a:t>
-            </a:r>
-            <a:r>
-              <a:rPr lang="en-US" sz="1900" dirty="0"/>
-              <a:t>(safe areas detection) is the most ambitious, and has the most to gain, it is also the most difficult of the three to carry out accurately.</a:t>
-            </a:r>
-          </a:p>
-          <a:p>
-            <a:pPr lvl="1"/>
-            <a:r>
-              <a:rPr lang="en-US" sz="1900" dirty="0"/>
-              <a:t>While ML continues to make leaps and bounds, I am unsure whether we are prepared now to make sufficiently clear predictions with sufficiently low error bars.</a:t>
-            </a:r>
-          </a:p>
-          <a:p>
-            <a:r>
-              <a:rPr lang="en-US" sz="1900" b="1" dirty="0"/>
-              <a:t>I recommend we start with the first option</a:t>
-            </a:r>
-            <a:r>
-              <a:rPr lang="en-US" sz="1900" dirty="0"/>
-              <a:t>, which would then naturally lead into the second one. </a:t>
-            </a:r>
-          </a:p>
-          <a:p>
-            <a:pPr lvl="1"/>
-            <a:r>
-              <a:rPr lang="en-US" sz="1900" dirty="0"/>
-              <a:t>If we can figure out the regions that are suffering from anomalous weather events, then go a step further to understand their change in frequency, we can garner a lot of actionable and practical information that will be invaluable to the continent of Europe. </a:t>
+              <a:rPr lang="en-US" sz="2000" b="1" dirty="0"/>
+              <a:t>I recommend we start with the first option </a:t>
+            </a:r>
+            <a:r>
+              <a:rPr lang="en-US" sz="2000" dirty="0"/>
+              <a:t>(detecting rare weather events), which is the easiest for us to solve now, and would naturally lead into the second option (how are they behaving). </a:t>
+            </a:r>
+          </a:p>
+          <a:p>
+            <a:r>
+              <a:rPr lang="en-US" sz="2000" b="1" dirty="0"/>
+              <a:t>The bottom line</a:t>
+            </a:r>
+            <a:r>
+              <a:rPr lang="en-US" sz="2000" dirty="0"/>
+              <a:t>: I believe pursuing the first two options will be the least financially risky and the least time-consuming, allowing us to </a:t>
+            </a:r>
+            <a:r>
+              <a:rPr lang="en-US" sz="2000" b="1" dirty="0"/>
+              <a:t>generate profitable, actionable information</a:t>
+            </a:r>
+            <a:r>
+              <a:rPr lang="en-US" sz="2000" dirty="0"/>
+              <a:t>.</a:t>
             </a:r>
           </a:p>
         </p:txBody>
@@ -6567,7 +5988,7 @@
 </p:sld>
 </file>
 
-<file path=ppt/slides/slide15.xml><?xml version="1.0" encoding="utf-8"?>
+<file path=ppt/slides/slide14.xml><?xml version="1.0" encoding="utf-8"?>
 <p:sld xmlns:a="http://schemas.openxmlformats.org/drawingml/2006/main" xmlns:r="http://schemas.openxmlformats.org/officeDocument/2006/relationships" xmlns:p="http://schemas.openxmlformats.org/presentationml/2006/main">
   <p:cSld>
     <p:bg>
@@ -7901,36 +7322,36 @@
           <a:lstStyle/>
           <a:p>
             <a:r>
-              <a:rPr lang="en-US" sz="2400"/>
+              <a:rPr lang="en-US" sz="2400" dirty="0"/>
               <a:t>Use machine learning to explore the feasibility of different climate change questions:</a:t>
             </a:r>
           </a:p>
           <a:p>
             <a:pPr lvl="1"/>
             <a:r>
-              <a:rPr lang="en-US"/>
+              <a:rPr lang="en-US" dirty="0"/>
               <a:t>Identifying anomalous weather patterns in Europe.</a:t>
             </a:r>
           </a:p>
           <a:p>
             <a:pPr lvl="1"/>
             <a:r>
-              <a:rPr lang="en-US"/>
+              <a:rPr lang="en-US" dirty="0"/>
               <a:t>Determining if those patterns are increasing in frequency.</a:t>
             </a:r>
           </a:p>
           <a:p>
             <a:pPr lvl="1"/>
             <a:r>
-              <a:rPr lang="en-US"/>
-              <a:t>Generating possibilities for future weather conditions over the next 25-50 years.</a:t>
+              <a:rPr lang="en-US" dirty="0"/>
+              <a:t>Generating possibilities for future weather conditions over the next 5-10 years.</a:t>
             </a:r>
           </a:p>
           <a:p>
             <a:pPr lvl="1"/>
             <a:r>
-              <a:rPr lang="en-US"/>
-              <a:t>Determining the safest places for people to live in Europe over the next 25-50 years.</a:t>
+              <a:rPr lang="en-US" dirty="0"/>
+              <a:t>Determining the safest places for people to live in Europe over the next 5-10 years.</a:t>
             </a:r>
           </a:p>
         </p:txBody>
@@ -8694,10 +8115,10 @@
       </p:grpSpPr>
       <p:sp useBgFill="1">
         <p:nvSpPr>
-          <p:cNvPr id="17" name="Rectangle 16">
-            <a:extLst>
-              <a:ext uri="{FF2B5EF4-FFF2-40B4-BE49-F238E27FC236}">
-                <a16:creationId xmlns:a16="http://schemas.microsoft.com/office/drawing/2014/main" id="{560AFAAC-EA6C-45A9-9E03-C9C9F0193B4F}"/>
+          <p:cNvPr id="25" name="Rectangle 24">
+            <a:extLst>
+              <a:ext uri="{FF2B5EF4-FFF2-40B4-BE49-F238E27FC236}">
+                <a16:creationId xmlns:a16="http://schemas.microsoft.com/office/drawing/2014/main" id="{2B97F24A-32CE-4C1C-A50D-3016B394DCFB}"/>
               </a:ext>
               <a:ext uri="{C183D7F6-B498-43B3-948B-1728B52AA6E4}">
                 <adec:decorative xmlns:adec="http://schemas.microsoft.com/office/drawing/2017/decorative" val="1"/>
@@ -8752,81 +8173,47 @@
           </a:p>
         </p:txBody>
       </p:sp>
-      <p:pic>
-        <p:nvPicPr>
-          <p:cNvPr id="5" name="Picture 4" descr="A close up of a sound wave&#10;&#10;Description automatically generated">
-            <a:extLst>
-              <a:ext uri="{FF2B5EF4-FFF2-40B4-BE49-F238E27FC236}">
-                <a16:creationId xmlns:a16="http://schemas.microsoft.com/office/drawing/2014/main" id="{9A579B91-4490-1546-6767-339FF07E621E}"/>
-              </a:ext>
-            </a:extLst>
-          </p:cNvPr>
-          <p:cNvPicPr>
-            <a:picLocks noChangeAspect="1"/>
-          </p:cNvPicPr>
-          <p:nvPr/>
-        </p:nvPicPr>
-        <p:blipFill>
-          <a:blip r:embed="rId2">
-            <a:extLst>
-              <a:ext uri="{28A0092B-C50C-407E-A947-70E740481C1C}">
-                <a14:useLocalDpi xmlns:a14="http://schemas.microsoft.com/office/drawing/2010/main" val="0"/>
-              </a:ext>
-            </a:extLst>
-          </a:blip>
-          <a:srcRect l="13240" r="28677" b="1"/>
-          <a:stretch/>
-        </p:blipFill>
+      <p:sp>
+        <p:nvSpPr>
+          <p:cNvPr id="2" name="Title 1">
+            <a:extLst>
+              <a:ext uri="{FF2B5EF4-FFF2-40B4-BE49-F238E27FC236}">
+                <a16:creationId xmlns:a16="http://schemas.microsoft.com/office/drawing/2014/main" id="{31B0A5E9-59DF-E8F2-0A82-5DB429228432}"/>
+              </a:ext>
+            </a:extLst>
+          </p:cNvPr>
+          <p:cNvSpPr>
+            <a:spLocks noGrp="1"/>
+          </p:cNvSpPr>
+          <p:nvPr>
+            <p:ph type="title"/>
+          </p:nvPr>
+        </p:nvSpPr>
         <p:spPr>
           <a:xfrm>
-            <a:off x="4883022" y="10"/>
-            <a:ext cx="7308978" cy="6857990"/>
+            <a:off x="630936" y="639520"/>
+            <a:ext cx="3429000" cy="1719072"/>
           </a:xfrm>
-          <a:custGeom>
-            <a:avLst/>
-            <a:gdLst/>
-            <a:ahLst/>
-            <a:cxnLst/>
-            <a:rect l="l" t="t" r="r" b="b"/>
-            <a:pathLst>
-              <a:path w="7308978" h="6858000">
-                <a:moveTo>
-                  <a:pt x="0" y="0"/>
-                </a:moveTo>
-                <a:lnTo>
-                  <a:pt x="7308978" y="0"/>
-                </a:lnTo>
-                <a:lnTo>
-                  <a:pt x="7308978" y="6858000"/>
-                </a:lnTo>
-                <a:lnTo>
-                  <a:pt x="0" y="6858000"/>
-                </a:lnTo>
-                <a:lnTo>
-                  <a:pt x="62983" y="6788730"/>
-                </a:lnTo>
-                <a:cubicBezTo>
-                  <a:pt x="773509" y="5928900"/>
-                  <a:pt x="1212978" y="4741056"/>
-                  <a:pt x="1212978" y="3429000"/>
-                </a:cubicBezTo>
-                <a:cubicBezTo>
-                  <a:pt x="1212978" y="2116944"/>
-                  <a:pt x="773509" y="929100"/>
-                  <a:pt x="62983" y="69271"/>
-                </a:cubicBezTo>
-                <a:close/>
-              </a:path>
-            </a:pathLst>
-          </a:custGeom>
         </p:spPr>
-      </p:pic>
-      <p:sp useBgFill="1">
-        <p:nvSpPr>
-          <p:cNvPr id="19" name="Freeform: Shape 18">
-            <a:extLst>
-              <a:ext uri="{FF2B5EF4-FFF2-40B4-BE49-F238E27FC236}">
-                <a16:creationId xmlns:a16="http://schemas.microsoft.com/office/drawing/2014/main" id="{83549E37-C86B-4401-90BD-D8BF83859F14}"/>
+        <p:txBody>
+          <a:bodyPr anchor="b">
+            <a:normAutofit/>
+          </a:bodyPr>
+          <a:lstStyle/>
+          <a:p>
+            <a:r>
+              <a:rPr lang="en-US" sz="5400"/>
+              <a:t>Random Forests</a:t>
+            </a:r>
+          </a:p>
+        </p:txBody>
+      </p:sp>
+      <p:sp>
+        <p:nvSpPr>
+          <p:cNvPr id="27" name="sketch line">
+            <a:extLst>
+              <a:ext uri="{FF2B5EF4-FFF2-40B4-BE49-F238E27FC236}">
+                <a16:creationId xmlns:a16="http://schemas.microsoft.com/office/drawing/2014/main" id="{CD8B4F24-440B-49E9-B85D-733523DC064B}"/>
               </a:ext>
               <a:ext uri="{C183D7F6-B498-43B3-948B-1728B52AA6E4}">
                 <adec:decorative xmlns:adec="http://schemas.microsoft.com/office/drawing/2017/decorative" val="1"/>
@@ -8846,26 +8233,36 @@
         </p:nvSpPr>
         <p:spPr>
           <a:xfrm>
-            <a:off x="0" y="0"/>
-            <a:ext cx="6096001" cy="6858000"/>
+            <a:off x="643278" y="2573756"/>
+            <a:ext cx="3255095" cy="18288"/>
           </a:xfrm>
           <a:custGeom>
             <a:avLst/>
             <a:gdLst>
-              <a:gd name="connsiteX0" fmla="*/ 0 w 6096001"/>
-              <a:gd name="connsiteY0" fmla="*/ 0 h 6858000"/>
-              <a:gd name="connsiteX1" fmla="*/ 4883023 w 6096001"/>
-              <a:gd name="connsiteY1" fmla="*/ 0 h 6858000"/>
-              <a:gd name="connsiteX2" fmla="*/ 4946006 w 6096001"/>
-              <a:gd name="connsiteY2" fmla="*/ 69271 h 6858000"/>
-              <a:gd name="connsiteX3" fmla="*/ 6096001 w 6096001"/>
-              <a:gd name="connsiteY3" fmla="*/ 3429000 h 6858000"/>
-              <a:gd name="connsiteX4" fmla="*/ 4946006 w 6096001"/>
-              <a:gd name="connsiteY4" fmla="*/ 6788730 h 6858000"/>
-              <a:gd name="connsiteX5" fmla="*/ 4883023 w 6096001"/>
-              <a:gd name="connsiteY5" fmla="*/ 6858000 h 6858000"/>
-              <a:gd name="connsiteX6" fmla="*/ 0 w 6096001"/>
-              <a:gd name="connsiteY6" fmla="*/ 6858000 h 6858000"/>
+              <a:gd name="connsiteX0" fmla="*/ 0 w 3255095"/>
+              <a:gd name="connsiteY0" fmla="*/ 0 h 18288"/>
+              <a:gd name="connsiteX1" fmla="*/ 618468 w 3255095"/>
+              <a:gd name="connsiteY1" fmla="*/ 0 h 18288"/>
+              <a:gd name="connsiteX2" fmla="*/ 1269487 w 3255095"/>
+              <a:gd name="connsiteY2" fmla="*/ 0 h 18288"/>
+              <a:gd name="connsiteX3" fmla="*/ 1953057 w 3255095"/>
+              <a:gd name="connsiteY3" fmla="*/ 0 h 18288"/>
+              <a:gd name="connsiteX4" fmla="*/ 2636627 w 3255095"/>
+              <a:gd name="connsiteY4" fmla="*/ 0 h 18288"/>
+              <a:gd name="connsiteX5" fmla="*/ 3255095 w 3255095"/>
+              <a:gd name="connsiteY5" fmla="*/ 0 h 18288"/>
+              <a:gd name="connsiteX6" fmla="*/ 3255095 w 3255095"/>
+              <a:gd name="connsiteY6" fmla="*/ 18288 h 18288"/>
+              <a:gd name="connsiteX7" fmla="*/ 2538974 w 3255095"/>
+              <a:gd name="connsiteY7" fmla="*/ 18288 h 18288"/>
+              <a:gd name="connsiteX8" fmla="*/ 1822853 w 3255095"/>
+              <a:gd name="connsiteY8" fmla="*/ 18288 h 18288"/>
+              <a:gd name="connsiteX9" fmla="*/ 1171834 w 3255095"/>
+              <a:gd name="connsiteY9" fmla="*/ 18288 h 18288"/>
+              <a:gd name="connsiteX10" fmla="*/ 0 w 3255095"/>
+              <a:gd name="connsiteY10" fmla="*/ 18288 h 18288"/>
+              <a:gd name="connsiteX11" fmla="*/ 0 w 3255095"/>
+              <a:gd name="connsiteY11" fmla="*/ 0 h 18288"/>
             </a:gdLst>
             <a:ahLst/>
             <a:cxnLst>
@@ -8890,343 +8287,173 @@
               <a:cxn ang="0">
                 <a:pos x="connsiteX6" y="connsiteY6"/>
               </a:cxn>
+              <a:cxn ang="0">
+                <a:pos x="connsiteX7" y="connsiteY7"/>
+              </a:cxn>
+              <a:cxn ang="0">
+                <a:pos x="connsiteX8" y="connsiteY8"/>
+              </a:cxn>
+              <a:cxn ang="0">
+                <a:pos x="connsiteX9" y="connsiteY9"/>
+              </a:cxn>
+              <a:cxn ang="0">
+                <a:pos x="connsiteX10" y="connsiteY10"/>
+              </a:cxn>
+              <a:cxn ang="0">
+                <a:pos x="connsiteX11" y="connsiteY11"/>
+              </a:cxn>
             </a:cxnLst>
             <a:rect l="l" t="t" r="r" b="b"/>
             <a:pathLst>
-              <a:path w="6096001" h="6858000">
+              <a:path w="3255095" h="18288" fill="none" extrusionOk="0">
                 <a:moveTo>
                   <a:pt x="0" y="0"/>
                 </a:moveTo>
-                <a:lnTo>
-                  <a:pt x="4883023" y="0"/>
-                </a:lnTo>
-                <a:lnTo>
-                  <a:pt x="4946006" y="69271"/>
-                </a:lnTo>
-                <a:cubicBezTo>
-                  <a:pt x="5656532" y="929100"/>
-                  <a:pt x="6096001" y="2116944"/>
-                  <a:pt x="6096001" y="3429000"/>
-                </a:cubicBezTo>
-                <a:cubicBezTo>
-                  <a:pt x="6096001" y="4741056"/>
-                  <a:pt x="5656532" y="5928900"/>
-                  <a:pt x="4946006" y="6788730"/>
-                </a:cubicBezTo>
-                <a:lnTo>
-                  <a:pt x="4883023" y="6858000"/>
-                </a:lnTo>
-                <a:lnTo>
-                  <a:pt x="0" y="6858000"/>
-                </a:lnTo>
+                <a:cubicBezTo>
+                  <a:pt x="240201" y="-22123"/>
+                  <a:pt x="462021" y="-19623"/>
+                  <a:pt x="618468" y="0"/>
+                </a:cubicBezTo>
+                <a:cubicBezTo>
+                  <a:pt x="774915" y="19623"/>
+                  <a:pt x="974734" y="2035"/>
+                  <a:pt x="1269487" y="0"/>
+                </a:cubicBezTo>
+                <a:cubicBezTo>
+                  <a:pt x="1564240" y="-2035"/>
+                  <a:pt x="1733579" y="10639"/>
+                  <a:pt x="1953057" y="0"/>
+                </a:cubicBezTo>
+                <a:cubicBezTo>
+                  <a:pt x="2172535" y="-10639"/>
+                  <a:pt x="2453962" y="14018"/>
+                  <a:pt x="2636627" y="0"/>
+                </a:cubicBezTo>
+                <a:cubicBezTo>
+                  <a:pt x="2819292" y="-14018"/>
+                  <a:pt x="3121375" y="5399"/>
+                  <a:pt x="3255095" y="0"/>
+                </a:cubicBezTo>
+                <a:cubicBezTo>
+                  <a:pt x="3254386" y="8157"/>
+                  <a:pt x="3254682" y="12125"/>
+                  <a:pt x="3255095" y="18288"/>
+                </a:cubicBezTo>
+                <a:cubicBezTo>
+                  <a:pt x="3088545" y="23203"/>
+                  <a:pt x="2687475" y="7419"/>
+                  <a:pt x="2538974" y="18288"/>
+                </a:cubicBezTo>
+                <a:cubicBezTo>
+                  <a:pt x="2390473" y="29157"/>
+                  <a:pt x="2137381" y="-8959"/>
+                  <a:pt x="1822853" y="18288"/>
+                </a:cubicBezTo>
+                <a:cubicBezTo>
+                  <a:pt x="1508325" y="45535"/>
+                  <a:pt x="1466437" y="20385"/>
+                  <a:pt x="1171834" y="18288"/>
+                </a:cubicBezTo>
+                <a:cubicBezTo>
+                  <a:pt x="877231" y="16191"/>
+                  <a:pt x="561097" y="37643"/>
+                  <a:pt x="0" y="18288"/>
+                </a:cubicBezTo>
+                <a:cubicBezTo>
+                  <a:pt x="-46" y="12483"/>
+                  <a:pt x="-203" y="6491"/>
+                  <a:pt x="0" y="0"/>
+                </a:cubicBezTo>
+                <a:close/>
+              </a:path>
+              <a:path w="3255095" h="18288" stroke="0" extrusionOk="0">
+                <a:moveTo>
+                  <a:pt x="0" y="0"/>
+                </a:moveTo>
+                <a:cubicBezTo>
+                  <a:pt x="291965" y="19429"/>
+                  <a:pt x="363155" y="8568"/>
+                  <a:pt x="618468" y="0"/>
+                </a:cubicBezTo>
+                <a:cubicBezTo>
+                  <a:pt x="873781" y="-8568"/>
+                  <a:pt x="904459" y="-19505"/>
+                  <a:pt x="1171834" y="0"/>
+                </a:cubicBezTo>
+                <a:cubicBezTo>
+                  <a:pt x="1439209" y="19505"/>
+                  <a:pt x="1744369" y="9790"/>
+                  <a:pt x="1887955" y="0"/>
+                </a:cubicBezTo>
+                <a:cubicBezTo>
+                  <a:pt x="2031541" y="-9790"/>
+                  <a:pt x="2346378" y="21240"/>
+                  <a:pt x="2506423" y="0"/>
+                </a:cubicBezTo>
+                <a:cubicBezTo>
+                  <a:pt x="2666468" y="-21240"/>
+                  <a:pt x="2990257" y="30414"/>
+                  <a:pt x="3255095" y="0"/>
+                </a:cubicBezTo>
+                <a:cubicBezTo>
+                  <a:pt x="3254831" y="4493"/>
+                  <a:pt x="3255479" y="9472"/>
+                  <a:pt x="3255095" y="18288"/>
+                </a:cubicBezTo>
+                <a:cubicBezTo>
+                  <a:pt x="3120743" y="16690"/>
+                  <a:pt x="2759628" y="42462"/>
+                  <a:pt x="2604076" y="18288"/>
+                </a:cubicBezTo>
+                <a:cubicBezTo>
+                  <a:pt x="2448524" y="-5886"/>
+                  <a:pt x="2184336" y="19599"/>
+                  <a:pt x="1887955" y="18288"/>
+                </a:cubicBezTo>
+                <a:cubicBezTo>
+                  <a:pt x="1591574" y="16977"/>
+                  <a:pt x="1548845" y="6870"/>
+                  <a:pt x="1334589" y="18288"/>
+                </a:cubicBezTo>
+                <a:cubicBezTo>
+                  <a:pt x="1120333" y="29706"/>
+                  <a:pt x="996014" y="9662"/>
+                  <a:pt x="683570" y="18288"/>
+                </a:cubicBezTo>
+                <a:cubicBezTo>
+                  <a:pt x="371126" y="26914"/>
+                  <a:pt x="198687" y="16167"/>
+                  <a:pt x="0" y="18288"/>
+                </a:cubicBezTo>
+                <a:cubicBezTo>
+                  <a:pt x="843" y="9577"/>
+                  <a:pt x="371" y="6900"/>
+                  <a:pt x="0" y="0"/>
+                </a:cubicBezTo>
                 <a:close/>
               </a:path>
             </a:pathLst>
           </a:custGeom>
-          <a:ln w="9525">
-            <a:solidFill>
-              <a:srgbClr val="EFEFEF"/>
-            </a:solidFill>
-          </a:ln>
-          <a:effectLst>
-            <a:outerShdw blurRad="50800" dist="38100" algn="l" rotWithShape="0">
-              <a:schemeClr val="bg1">
-                <a:lumMod val="85000"/>
-                <a:alpha val="30000"/>
-              </a:schemeClr>
-            </a:outerShdw>
-          </a:effectLst>
-        </p:spPr>
-        <p:style>
-          <a:lnRef idx="2">
-            <a:schemeClr val="accent1">
-              <a:shade val="50000"/>
-            </a:schemeClr>
-          </a:lnRef>
-          <a:fillRef idx="1">
-            <a:schemeClr val="accent1"/>
-          </a:fillRef>
-          <a:effectRef idx="0">
-            <a:schemeClr val="accent1"/>
-          </a:effectRef>
-          <a:fontRef idx="minor">
-            <a:schemeClr val="lt1"/>
-          </a:fontRef>
-        </p:style>
-        <p:txBody>
-          <a:bodyPr wrap="square" rtlCol="0" anchor="ctr">
-            <a:noAutofit/>
-          </a:bodyPr>
-          <a:lstStyle/>
-          <a:p>
-            <a:pPr marL="0" marR="0" lvl="0" indent="0" algn="ctr" defTabSz="914400" rtl="0" eaLnBrk="1" fontAlgn="auto" latinLnBrk="0" hangingPunct="1">
-              <a:lnSpc>
-                <a:spcPct val="100000"/>
-              </a:lnSpc>
-              <a:spcBef>
-                <a:spcPts val="0"/>
-              </a:spcBef>
-              <a:spcAft>
-                <a:spcPts val="0"/>
-              </a:spcAft>
-              <a:buClrTx/>
-              <a:buSzTx/>
-              <a:buFontTx/>
-              <a:buNone/>
-              <a:tabLst/>
-              <a:defRPr/>
-            </a:pPr>
-            <a:endParaRPr kumimoji="0" lang="en-US" sz="1800" b="0" i="0" u="none" strike="noStrike" kern="1200" cap="none" spc="0" normalizeH="0" baseline="0" noProof="0">
-              <a:ln>
-                <a:noFill/>
-              </a:ln>
-              <a:solidFill>
-                <a:prstClr val="white"/>
-              </a:solidFill>
-              <a:effectLst/>
-              <a:uLnTx/>
-              <a:uFillTx/>
-              <a:latin typeface="Calibri" panose="020F0502020204030204"/>
-              <a:ea typeface="+mn-ea"/>
-              <a:cs typeface="+mn-cs"/>
-            </a:endParaRPr>
-          </a:p>
-        </p:txBody>
-      </p:sp>
-      <p:sp useBgFill="1">
-        <p:nvSpPr>
-          <p:cNvPr id="20" name="Freeform: Shape 19">
-            <a:extLst>
-              <a:ext uri="{FF2B5EF4-FFF2-40B4-BE49-F238E27FC236}">
-                <a16:creationId xmlns:a16="http://schemas.microsoft.com/office/drawing/2014/main" id="{8A17784E-76D8-4521-A77D-0D2EBB923004}"/>
-              </a:ext>
-              <a:ext uri="{C183D7F6-B498-43B3-948B-1728B52AA6E4}">
-                <adec:decorative xmlns:adec="http://schemas.microsoft.com/office/drawing/2017/decorative" val="1"/>
-              </a:ext>
-            </a:extLst>
-          </p:cNvPr>
-          <p:cNvSpPr>
-            <a:spLocks noGrp="1" noRot="1" noChangeAspect="1" noMove="1" noResize="1" noEditPoints="1" noAdjustHandles="1" noChangeArrowheads="1" noChangeShapeType="1" noTextEdit="1"/>
-          </p:cNvSpPr>
-          <p:nvPr>
-            <p:extLst>
-              <p:ext uri="{386F3935-93C4-4BCD-93E2-E3B085C9AB24}">
-                <p16:designElem xmlns:p16="http://schemas.microsoft.com/office/powerpoint/2015/main" val="1"/>
-              </p:ext>
-            </p:extLst>
-          </p:nvPr>
-        </p:nvSpPr>
-        <p:spPr>
-          <a:xfrm>
-            <a:off x="0" y="0"/>
-            <a:ext cx="6086857" cy="6858000"/>
-          </a:xfrm>
-          <a:custGeom>
-            <a:avLst/>
-            <a:gdLst>
-              <a:gd name="connsiteX0" fmla="*/ 0 w 6086857"/>
-              <a:gd name="connsiteY0" fmla="*/ 0 h 6858000"/>
-              <a:gd name="connsiteX1" fmla="*/ 4873879 w 6086857"/>
-              <a:gd name="connsiteY1" fmla="*/ 0 h 6858000"/>
-              <a:gd name="connsiteX2" fmla="*/ 4936862 w 6086857"/>
-              <a:gd name="connsiteY2" fmla="*/ 69271 h 6858000"/>
-              <a:gd name="connsiteX3" fmla="*/ 6086857 w 6086857"/>
-              <a:gd name="connsiteY3" fmla="*/ 3429000 h 6858000"/>
-              <a:gd name="connsiteX4" fmla="*/ 4936862 w 6086857"/>
-              <a:gd name="connsiteY4" fmla="*/ 6788730 h 6858000"/>
-              <a:gd name="connsiteX5" fmla="*/ 4873879 w 6086857"/>
-              <a:gd name="connsiteY5" fmla="*/ 6858000 h 6858000"/>
-              <a:gd name="connsiteX6" fmla="*/ 0 w 6086857"/>
-              <a:gd name="connsiteY6" fmla="*/ 6858000 h 6858000"/>
-            </a:gdLst>
-            <a:ahLst/>
-            <a:cxnLst>
-              <a:cxn ang="0">
-                <a:pos x="connsiteX0" y="connsiteY0"/>
-              </a:cxn>
-              <a:cxn ang="0">
-                <a:pos x="connsiteX1" y="connsiteY1"/>
-              </a:cxn>
-              <a:cxn ang="0">
-                <a:pos x="connsiteX2" y="connsiteY2"/>
-              </a:cxn>
-              <a:cxn ang="0">
-                <a:pos x="connsiteX3" y="connsiteY3"/>
-              </a:cxn>
-              <a:cxn ang="0">
-                <a:pos x="connsiteX4" y="connsiteY4"/>
-              </a:cxn>
-              <a:cxn ang="0">
-                <a:pos x="connsiteX5" y="connsiteY5"/>
-              </a:cxn>
-              <a:cxn ang="0">
-                <a:pos x="connsiteX6" y="connsiteY6"/>
-              </a:cxn>
-            </a:cxnLst>
-            <a:rect l="l" t="t" r="r" b="b"/>
-            <a:pathLst>
-              <a:path w="6086857" h="6858000">
-                <a:moveTo>
-                  <a:pt x="0" y="0"/>
-                </a:moveTo>
-                <a:lnTo>
-                  <a:pt x="4873879" y="0"/>
-                </a:lnTo>
-                <a:lnTo>
-                  <a:pt x="4936862" y="69271"/>
-                </a:lnTo>
-                <a:cubicBezTo>
-                  <a:pt x="5647388" y="929100"/>
-                  <a:pt x="6086857" y="2116944"/>
-                  <a:pt x="6086857" y="3429000"/>
-                </a:cubicBezTo>
-                <a:cubicBezTo>
-                  <a:pt x="6086857" y="4741056"/>
-                  <a:pt x="5647388" y="5928900"/>
-                  <a:pt x="4936862" y="6788730"/>
-                </a:cubicBezTo>
-                <a:lnTo>
-                  <a:pt x="4873879" y="6858000"/>
-                </a:lnTo>
-                <a:lnTo>
-                  <a:pt x="0" y="6858000"/>
-                </a:lnTo>
-                <a:close/>
-              </a:path>
-            </a:pathLst>
-          </a:custGeom>
-          <a:ln w="9525">
-            <a:noFill/>
-          </a:ln>
-          <a:effectLst/>
-        </p:spPr>
-        <p:style>
-          <a:lnRef idx="2">
-            <a:schemeClr val="accent1">
-              <a:shade val="50000"/>
-            </a:schemeClr>
-          </a:lnRef>
-          <a:fillRef idx="1">
-            <a:schemeClr val="accent1"/>
-          </a:fillRef>
-          <a:effectRef idx="0">
-            <a:schemeClr val="accent1"/>
-          </a:effectRef>
-          <a:fontRef idx="minor">
-            <a:schemeClr val="lt1"/>
-          </a:fontRef>
-        </p:style>
-        <p:txBody>
-          <a:bodyPr wrap="square" rtlCol="0" anchor="ctr">
-            <a:noAutofit/>
-          </a:bodyPr>
-          <a:lstStyle/>
-          <a:p>
-            <a:pPr marL="0" marR="0" lvl="0" indent="0" algn="ctr" defTabSz="914400" rtl="0" eaLnBrk="1" fontAlgn="auto" latinLnBrk="0" hangingPunct="1">
-              <a:lnSpc>
-                <a:spcPct val="100000"/>
-              </a:lnSpc>
-              <a:spcBef>
-                <a:spcPts val="0"/>
-              </a:spcBef>
-              <a:spcAft>
-                <a:spcPts val="0"/>
-              </a:spcAft>
-              <a:buClrTx/>
-              <a:buSzTx/>
-              <a:buFontTx/>
-              <a:buNone/>
-              <a:tabLst/>
-              <a:defRPr/>
-            </a:pPr>
-            <a:endParaRPr kumimoji="0" lang="en-US" sz="1800" b="0" i="0" u="none" strike="noStrike" kern="1200" cap="none" spc="0" normalizeH="0" baseline="0" noProof="0">
-              <a:ln>
-                <a:noFill/>
-              </a:ln>
-              <a:solidFill>
-                <a:prstClr val="white"/>
-              </a:solidFill>
-              <a:effectLst/>
-              <a:uLnTx/>
-              <a:uFillTx/>
-              <a:latin typeface="Calibri" panose="020F0502020204030204"/>
-              <a:ea typeface="+mn-ea"/>
-              <a:cs typeface="+mn-cs"/>
-            </a:endParaRPr>
-          </a:p>
-        </p:txBody>
-      </p:sp>
-      <p:sp>
-        <p:nvSpPr>
-          <p:cNvPr id="2" name="Title 1">
-            <a:extLst>
-              <a:ext uri="{FF2B5EF4-FFF2-40B4-BE49-F238E27FC236}">
-                <a16:creationId xmlns:a16="http://schemas.microsoft.com/office/drawing/2014/main" id="{31B0A5E9-59DF-E8F2-0A82-5DB429228432}"/>
-              </a:ext>
-            </a:extLst>
-          </p:cNvPr>
-          <p:cNvSpPr>
-            <a:spLocks noGrp="1"/>
-          </p:cNvSpPr>
-          <p:nvPr>
-            <p:ph type="title"/>
-          </p:nvPr>
-        </p:nvSpPr>
-        <p:spPr>
-          <a:xfrm>
-            <a:off x="374904" y="856488"/>
-            <a:ext cx="4992624" cy="1243584"/>
-          </a:xfrm>
-        </p:spPr>
-        <p:txBody>
-          <a:bodyPr anchor="ctr">
-            <a:normAutofit/>
-          </a:bodyPr>
-          <a:lstStyle/>
-          <a:p>
-            <a:r>
-              <a:rPr lang="en-US" sz="3400"/>
-              <a:t>Random Forests</a:t>
-            </a:r>
-          </a:p>
-        </p:txBody>
-      </p:sp>
-      <p:sp>
-        <p:nvSpPr>
-          <p:cNvPr id="16" name="Rectangle 15">
-            <a:extLst>
-              <a:ext uri="{FF2B5EF4-FFF2-40B4-BE49-F238E27FC236}">
-                <a16:creationId xmlns:a16="http://schemas.microsoft.com/office/drawing/2014/main" id="{C0036C6B-F09C-4EAB-AE02-8D056EE74856}"/>
-              </a:ext>
-              <a:ext uri="{C183D7F6-B498-43B3-948B-1728B52AA6E4}">
-                <adec:decorative xmlns:adec="http://schemas.microsoft.com/office/drawing/2017/decorative" val="1"/>
-              </a:ext>
-            </a:extLst>
-          </p:cNvPr>
-          <p:cNvSpPr>
-            <a:spLocks noGrp="1" noRot="1" noChangeAspect="1" noMove="1" noResize="1" noEditPoints="1" noAdjustHandles="1" noChangeArrowheads="1" noChangeShapeType="1" noTextEdit="1"/>
-          </p:cNvSpPr>
-          <p:nvPr>
-            <p:extLst>
-              <p:ext uri="{386F3935-93C4-4BCD-93E2-E3B085C9AB24}">
-                <p16:designElem xmlns:p16="http://schemas.microsoft.com/office/powerpoint/2015/main" val="1"/>
-              </p:ext>
-            </p:extLst>
-          </p:nvPr>
-        </p:nvSpPr>
-        <p:spPr>
-          <a:xfrm>
-            <a:off x="0" y="1124325"/>
-            <a:ext cx="128016" cy="653903"/>
-          </a:xfrm>
-          <a:prstGeom prst="rect">
-            <a:avLst/>
-          </a:prstGeom>
           <a:solidFill>
             <a:schemeClr val="accent2"/>
           </a:solidFill>
-          <a:ln>
-            <a:noFill/>
+          <a:ln w="38100" cap="rnd">
+            <a:solidFill>
+              <a:schemeClr val="accent2"/>
+            </a:solidFill>
+            <a:round/>
+            <a:extLst>
+              <a:ext uri="{C807C97D-BFC1-408E-A445-0C87EB9F89A2}">
+                <ask:lineSketchStyleProps xmlns:ask="http://schemas.microsoft.com/office/drawing/2018/sketchyshapes" sd="1219033472">
+                  <a:prstGeom prst="rect">
+                    <a:avLst/>
+                  </a:prstGeom>
+                  <ask:type>
+                    <ask:lineSketchFreehand/>
+                  </ask:type>
+                </ask:lineSketchStyleProps>
+              </a:ext>
+            </a:extLst>
           </a:ln>
         </p:spPr>
         <p:style>
@@ -9250,156 +8477,135 @@
           <a:lstStyle/>
           <a:p>
             <a:pPr algn="ctr"/>
-            <a:endParaRPr lang="en-US">
-              <a:solidFill>
-                <a:prstClr val="white"/>
-              </a:solidFill>
-              <a:latin typeface="Calibri" panose="020F0502020204030204"/>
-            </a:endParaRPr>
-          </a:p>
-        </p:txBody>
-      </p:sp>
-      <p:sp>
-        <p:nvSpPr>
-          <p:cNvPr id="18" name="Rectangle 17">
-            <a:extLst>
-              <a:ext uri="{FF2B5EF4-FFF2-40B4-BE49-F238E27FC236}">
-                <a16:creationId xmlns:a16="http://schemas.microsoft.com/office/drawing/2014/main" id="{FC8D5885-2804-4D3C-BE31-902E4D3279B0}"/>
-              </a:ext>
-              <a:ext uri="{C183D7F6-B498-43B3-948B-1728B52AA6E4}">
-                <adec:decorative xmlns:adec="http://schemas.microsoft.com/office/drawing/2017/decorative" val="1"/>
-              </a:ext>
-            </a:extLst>
-          </p:cNvPr>
-          <p:cNvSpPr>
-            <a:spLocks noGrp="1" noRot="1" noChangeAspect="1" noMove="1" noResize="1" noEditPoints="1" noAdjustHandles="1" noChangeArrowheads="1" noChangeShapeType="1" noTextEdit="1"/>
-          </p:cNvSpPr>
-          <p:nvPr>
-            <p:extLst>
-              <p:ext uri="{386F3935-93C4-4BCD-93E2-E3B085C9AB24}">
-                <p16:designElem xmlns:p16="http://schemas.microsoft.com/office/powerpoint/2015/main" val="1"/>
-              </p:ext>
-            </p:extLst>
+            <a:endParaRPr lang="en-US"/>
+          </a:p>
+        </p:txBody>
+      </p:sp>
+      <p:sp>
+        <p:nvSpPr>
+          <p:cNvPr id="3" name="Content Placeholder 2">
+            <a:extLst>
+              <a:ext uri="{FF2B5EF4-FFF2-40B4-BE49-F238E27FC236}">
+                <a16:creationId xmlns:a16="http://schemas.microsoft.com/office/drawing/2014/main" id="{C4738855-6C4E-D643-DBCE-73D16EF12CAE}"/>
+              </a:ext>
+            </a:extLst>
+          </p:cNvPr>
+          <p:cNvSpPr>
+            <a:spLocks noGrp="1"/>
+          </p:cNvSpPr>
+          <p:nvPr>
+            <p:ph idx="1"/>
           </p:nvPr>
         </p:nvSpPr>
         <p:spPr>
           <a:xfrm>
-            <a:off x="437769" y="2195336"/>
-            <a:ext cx="4983480" cy="18288"/>
+            <a:off x="630936" y="2807208"/>
+            <a:ext cx="3429000" cy="3410712"/>
+          </a:xfrm>
+        </p:spPr>
+        <p:txBody>
+          <a:bodyPr anchor="ctr">
+            <a:normAutofit/>
+          </a:bodyPr>
+          <a:lstStyle/>
+          <a:p>
+            <a:r>
+              <a:rPr lang="en-US" sz="1700" dirty="0"/>
+              <a:t>RFs are collections of decision trees that are effective at telling us </a:t>
+            </a:r>
+            <a:r>
+              <a:rPr lang="en-US" sz="1700" b="1" dirty="0"/>
+              <a:t>which variables are most important </a:t>
+            </a:r>
+            <a:r>
+              <a:rPr lang="en-US" sz="1700" dirty="0"/>
+              <a:t>in rare weather events.</a:t>
+            </a:r>
+          </a:p>
+          <a:p>
+            <a:r>
+              <a:rPr lang="en-US" sz="1700" b="1" dirty="0"/>
+              <a:t>Progress so far</a:t>
+            </a:r>
+            <a:r>
+              <a:rPr lang="en-US" sz="1700" dirty="0"/>
+              <a:t>: RFs have told me that </a:t>
+            </a:r>
+            <a:r>
+              <a:rPr lang="en-US" sz="1700" b="1" dirty="0"/>
+              <a:t>max temperature, average temperature, and precipitation </a:t>
+            </a:r>
+            <a:r>
+              <a:rPr lang="en-US" sz="1700" dirty="0"/>
+              <a:t>are the top 3 variables for predicting daily weather conditions.</a:t>
+            </a:r>
+          </a:p>
+          <a:p>
+            <a:r>
+              <a:rPr lang="en-US" sz="1700" dirty="0"/>
+              <a:t>This will help us when detecting rare weather events.</a:t>
+            </a:r>
+            <a:endParaRPr lang="en-US" sz="1300" dirty="0"/>
+          </a:p>
+          <a:p>
+            <a:pPr marL="0" indent="0">
+              <a:buNone/>
+            </a:pPr>
+            <a:endParaRPr lang="en-US" sz="1700" dirty="0"/>
+          </a:p>
+        </p:txBody>
+      </p:sp>
+      <p:pic>
+        <p:nvPicPr>
+          <p:cNvPr id="7" name="Picture 6" descr="A diagram of a computer&#10;&#10;Description automatically generated with medium confidence">
+            <a:extLst>
+              <a:ext uri="{FF2B5EF4-FFF2-40B4-BE49-F238E27FC236}">
+                <a16:creationId xmlns:a16="http://schemas.microsoft.com/office/drawing/2014/main" id="{64DB9228-60F2-19B6-4222-B17FC754AF6D}"/>
+              </a:ext>
+            </a:extLst>
+          </p:cNvPr>
+          <p:cNvPicPr>
+            <a:picLocks noChangeAspect="1"/>
+          </p:cNvPicPr>
+          <p:nvPr/>
+        </p:nvPicPr>
+        <p:blipFill>
+          <a:blip r:embed="rId2">
+            <a:extLst>
+              <a:ext uri="{28A0092B-C50C-407E-A947-70E740481C1C}">
+                <a14:useLocalDpi xmlns:a14="http://schemas.microsoft.com/office/drawing/2010/main" val="0"/>
+              </a:ext>
+            </a:extLst>
+          </a:blip>
+          <a:stretch>
+            <a:fillRect/>
+          </a:stretch>
+        </p:blipFill>
+        <p:spPr>
+          <a:xfrm>
+            <a:off x="4654296" y="1832515"/>
+            <a:ext cx="6903720" cy="3192970"/>
           </a:xfrm>
           <a:prstGeom prst="rect">
             <a:avLst/>
           </a:prstGeom>
-          <a:solidFill>
-            <a:srgbClr val="D5D5D5"/>
-          </a:solidFill>
-          <a:ln w="3175">
-            <a:noFill/>
-          </a:ln>
-          <a:effectLst/>
         </p:spPr>
-        <p:style>
-          <a:lnRef idx="2">
-            <a:schemeClr val="accent1">
-              <a:shade val="50000"/>
-            </a:schemeClr>
-          </a:lnRef>
-          <a:fillRef idx="1">
-            <a:schemeClr val="accent1"/>
-          </a:fillRef>
-          <a:effectRef idx="0">
-            <a:schemeClr val="accent1"/>
-          </a:effectRef>
-          <a:fontRef idx="minor">
-            <a:schemeClr val="lt1"/>
-          </a:fontRef>
-        </p:style>
-        <p:txBody>
-          <a:bodyPr rtlCol="0" anchor="ctr"/>
-          <a:lstStyle/>
-          <a:p>
-            <a:pPr algn="ctr"/>
-            <a:endParaRPr lang="en-US">
-              <a:solidFill>
-                <a:prstClr val="white"/>
-              </a:solidFill>
-              <a:latin typeface="Calibri" panose="020F0502020204030204"/>
-            </a:endParaRPr>
-          </a:p>
-        </p:txBody>
-      </p:sp>
-      <p:sp>
-        <p:nvSpPr>
-          <p:cNvPr id="3" name="Content Placeholder 2">
-            <a:extLst>
-              <a:ext uri="{FF2B5EF4-FFF2-40B4-BE49-F238E27FC236}">
-                <a16:creationId xmlns:a16="http://schemas.microsoft.com/office/drawing/2014/main" id="{C4738855-6C4E-D643-DBCE-73D16EF12CAE}"/>
-              </a:ext>
-            </a:extLst>
-          </p:cNvPr>
-          <p:cNvSpPr>
-            <a:spLocks noGrp="1"/>
-          </p:cNvSpPr>
-          <p:nvPr>
-            <p:ph idx="1"/>
-          </p:nvPr>
+      </p:pic>
+      <p:sp>
+        <p:nvSpPr>
+          <p:cNvPr id="6" name="TextBox 5">
+            <a:extLst>
+              <a:ext uri="{FF2B5EF4-FFF2-40B4-BE49-F238E27FC236}">
+                <a16:creationId xmlns:a16="http://schemas.microsoft.com/office/drawing/2014/main" id="{3337DB46-1B07-7071-2498-792F84F63316}"/>
+              </a:ext>
+            </a:extLst>
+          </p:cNvPr>
+          <p:cNvSpPr txBox="1"/>
+          <p:nvPr/>
         </p:nvSpPr>
         <p:spPr>
           <a:xfrm>
-            <a:off x="374904" y="2522949"/>
-            <a:ext cx="5065776" cy="3402363"/>
-          </a:xfrm>
-        </p:spPr>
-        <p:txBody>
-          <a:bodyPr anchor="t">
-            <a:normAutofit/>
-          </a:bodyPr>
-          <a:lstStyle/>
-          <a:p>
-            <a:r>
-              <a:rPr lang="en-US" sz="2000" b="1" dirty="0"/>
-              <a:t>Collections of decision trees </a:t>
-            </a:r>
-            <a:r>
-              <a:rPr lang="en-US" sz="2000" dirty="0"/>
-              <a:t>that together enhance predictive capacity and insights into feature importance.</a:t>
-            </a:r>
-          </a:p>
-          <a:p>
-            <a:r>
-              <a:rPr lang="en-US" sz="2000" dirty="0"/>
-              <a:t>RFs can identify key weather variables that signal anomalies, making them effective at classifying anomalous weather events.</a:t>
-            </a:r>
-          </a:p>
-          <a:p>
-            <a:r>
-              <a:rPr lang="en-US" sz="2000" dirty="0"/>
-              <a:t>They are less suited for analyzing trends over time. </a:t>
-            </a:r>
-          </a:p>
-          <a:p>
-            <a:pPr marL="0" indent="0">
-              <a:buNone/>
-            </a:pPr>
-            <a:endParaRPr lang="en-US" sz="2000" dirty="0"/>
-          </a:p>
-        </p:txBody>
-      </p:sp>
-      <p:sp>
-        <p:nvSpPr>
-          <p:cNvPr id="6" name="TextBox 5">
-            <a:extLst>
-              <a:ext uri="{FF2B5EF4-FFF2-40B4-BE49-F238E27FC236}">
-                <a16:creationId xmlns:a16="http://schemas.microsoft.com/office/drawing/2014/main" id="{3337DB46-1B07-7071-2498-792F84F63316}"/>
-              </a:ext>
-            </a:extLst>
-          </p:cNvPr>
-          <p:cNvSpPr txBox="1"/>
-          <p:nvPr/>
-        </p:nvSpPr>
-        <p:spPr>
-          <a:xfrm>
-            <a:off x="6273209" y="6177516"/>
+            <a:off x="5225459" y="5451056"/>
             <a:ext cx="5199321" cy="338554"/>
           </a:xfrm>
           <a:prstGeom prst="rect">
@@ -9413,10 +8619,14 @@
           </a:bodyPr>
           <a:lstStyle/>
           <a:p>
-            <a:pPr algn="ctr"/>
+            <a:pPr algn="ctr">
+              <a:spcAft>
+                <a:spcPts val="600"/>
+              </a:spcAft>
+            </a:pPr>
             <a:r>
               <a:rPr lang="en-US" sz="1600" i="1" dirty="0"/>
-              <a:t>A random forest for all weather stations for the 2010s</a:t>
+              <a:t>A decision tree for the Kassel weather station.</a:t>
             </a:r>
           </a:p>
         </p:txBody>
@@ -9717,7 +8927,7 @@
           <a:p>
             <a:r>
               <a:rPr lang="en-US" sz="2000" dirty="0"/>
-              <a:t>Deep learning models that excel in analyzing spatial climate patterns (</a:t>
+              <a:t>Deep learning models that excel at detecting spatial anomalies (</a:t>
             </a:r>
             <a:r>
               <a:rPr lang="en-US" sz="2000" b="1" dirty="0"/>
@@ -9725,7 +8935,7 @@
             </a:r>
             <a:r>
               <a:rPr lang="en-US" sz="2000" dirty="0"/>
-              <a:t>) and assessing temporal data and climate trends over time (</a:t>
+              <a:t>) and overall climate trends (</a:t>
             </a:r>
             <a:r>
               <a:rPr lang="en-US" sz="2000" b="1" dirty="0"/>
@@ -9738,8 +8948,43 @@
           </a:p>
           <a:p>
             <a:r>
+              <a:rPr lang="en-US" sz="2000" b="1" dirty="0"/>
+              <a:t>Progress so far</a:t>
+            </a:r>
+            <a:r>
               <a:rPr lang="en-US" sz="2000" dirty="0"/>
-              <a:t>These attributes make them well-suited for detecting spatial anomalies and overall climate trends.</a:t>
+              <a:t>: </a:t>
+            </a:r>
+          </a:p>
+          <a:p>
+            <a:pPr lvl="1"/>
+            <a:r>
+              <a:rPr lang="en-US" sz="1600" dirty="0"/>
+              <a:t>I have trained both CNN and RNN models to </a:t>
+            </a:r>
+            <a:r>
+              <a:rPr lang="en-US" sz="1600" b="1" dirty="0"/>
+              <a:t>correctly classify</a:t>
+            </a:r>
+            <a:r>
+              <a:rPr lang="en-US" sz="1600" dirty="0"/>
+              <a:t> pleasant or unpleasant weather days across all stations </a:t>
+            </a:r>
+            <a:r>
+              <a:rPr lang="en-US" sz="1600" b="1" dirty="0"/>
+              <a:t>72% </a:t>
+            </a:r>
+            <a:r>
+              <a:rPr lang="en-US" sz="1600" dirty="0"/>
+              <a:t>and </a:t>
+            </a:r>
+            <a:r>
+              <a:rPr lang="en-US" sz="1600" b="1" dirty="0"/>
+              <a:t>73%</a:t>
+            </a:r>
+            <a:r>
+              <a:rPr lang="en-US" sz="1600" dirty="0"/>
+              <a:t> of the time, respectively.</a:t>
             </a:r>
           </a:p>
           <a:p>
@@ -9900,179 +9145,47 @@
           <a:chExt cx="0" cy="0"/>
         </a:xfrm>
       </p:grpSpPr>
-      <p:sp useBgFill="1">
-        <p:nvSpPr>
-          <p:cNvPr id="10" name="Rectangle 9">
-            <a:extLst>
-              <a:ext uri="{FF2B5EF4-FFF2-40B4-BE49-F238E27FC236}">
-                <a16:creationId xmlns:a16="http://schemas.microsoft.com/office/drawing/2014/main" id="{A2679492-7988-4050-9056-542444452411}"/>
-              </a:ext>
-              <a:ext uri="{C183D7F6-B498-43B3-948B-1728B52AA6E4}">
-                <adec:decorative xmlns:adec="http://schemas.microsoft.com/office/drawing/2017/decorative" val="1"/>
-              </a:ext>
-            </a:extLst>
-          </p:cNvPr>
-          <p:cNvSpPr>
-            <a:spLocks noGrp="1" noRot="1" noChangeAspect="1" noMove="1" noResize="1" noEditPoints="1" noAdjustHandles="1" noChangeArrowheads="1" noChangeShapeType="1" noTextEdit="1"/>
-          </p:cNvSpPr>
-          <p:nvPr>
-            <p:extLst>
-              <p:ext uri="{386F3935-93C4-4BCD-93E2-E3B085C9AB24}">
-                <p16:designElem xmlns:p16="http://schemas.microsoft.com/office/powerpoint/2015/main" val="1"/>
-              </p:ext>
-            </p:extLst>
+      <p:sp>
+        <p:nvSpPr>
+          <p:cNvPr id="2" name="Title 1">
+            <a:extLst>
+              <a:ext uri="{FF2B5EF4-FFF2-40B4-BE49-F238E27FC236}">
+                <a16:creationId xmlns:a16="http://schemas.microsoft.com/office/drawing/2014/main" id="{8B5DAD7F-8520-71AE-8712-A41F225195E1}"/>
+              </a:ext>
+            </a:extLst>
+          </p:cNvPr>
+          <p:cNvSpPr>
+            <a:spLocks noGrp="1"/>
+          </p:cNvSpPr>
+          <p:nvPr>
+            <p:ph type="title"/>
           </p:nvPr>
         </p:nvSpPr>
         <p:spPr>
           <a:xfrm>
-            <a:off x="0" y="0"/>
-            <a:ext cx="12192000" cy="6858000"/>
-          </a:xfrm>
-          <a:prstGeom prst="rect">
-            <a:avLst/>
-          </a:prstGeom>
-          <a:ln>
-            <a:noFill/>
-          </a:ln>
-        </p:spPr>
-        <p:style>
-          <a:lnRef idx="2">
-            <a:schemeClr val="accent1">
-              <a:shade val="50000"/>
-            </a:schemeClr>
-          </a:lnRef>
-          <a:fillRef idx="1">
-            <a:schemeClr val="accent1"/>
-          </a:fillRef>
-          <a:effectRef idx="0">
-            <a:schemeClr val="accent1"/>
-          </a:effectRef>
-          <a:fontRef idx="minor">
-            <a:schemeClr val="lt1"/>
-          </a:fontRef>
-        </p:style>
-        <p:txBody>
-          <a:bodyPr rtlCol="0" anchor="ctr"/>
-          <a:lstStyle/>
-          <a:p>
-            <a:pPr algn="ctr"/>
-            <a:endParaRPr lang="en-US"/>
-          </a:p>
-        </p:txBody>
-      </p:sp>
-      <p:sp>
-        <p:nvSpPr>
-          <p:cNvPr id="2" name="Title 1">
-            <a:extLst>
-              <a:ext uri="{FF2B5EF4-FFF2-40B4-BE49-F238E27FC236}">
-                <a16:creationId xmlns:a16="http://schemas.microsoft.com/office/drawing/2014/main" id="{8B5DAD7F-8520-71AE-8712-A41F225195E1}"/>
-              </a:ext>
-            </a:extLst>
-          </p:cNvPr>
-          <p:cNvSpPr>
-            <a:spLocks noGrp="1"/>
-          </p:cNvSpPr>
-          <p:nvPr>
-            <p:ph type="title"/>
-          </p:nvPr>
-        </p:nvSpPr>
-        <p:spPr>
-          <a:xfrm>
-            <a:off x="6412091" y="501651"/>
-            <a:ext cx="4395340" cy="1716255"/>
+            <a:off x="5868557" y="1138036"/>
+            <a:ext cx="5444382" cy="1402470"/>
           </a:xfrm>
         </p:spPr>
         <p:txBody>
-          <a:bodyPr anchor="b">
+          <a:bodyPr anchor="t">
             <a:normAutofit/>
           </a:bodyPr>
           <a:lstStyle/>
           <a:p>
             <a:r>
-              <a:rPr lang="en-US" sz="3900"/>
+              <a:rPr lang="en-US" sz="3200"/>
               <a:t>Generative Adversarial Networks (GANs)</a:t>
             </a:r>
-          </a:p>
-        </p:txBody>
-      </p:sp>
-      <p:sp>
-        <p:nvSpPr>
-          <p:cNvPr id="12" name="Rectangle 11">
-            <a:extLst>
-              <a:ext uri="{FF2B5EF4-FFF2-40B4-BE49-F238E27FC236}">
-                <a16:creationId xmlns:a16="http://schemas.microsoft.com/office/drawing/2014/main" id="{B091B163-7D61-4891-ABCF-5C13D9C418D0}"/>
-              </a:ext>
-              <a:ext uri="{C183D7F6-B498-43B3-948B-1728B52AA6E4}">
-                <adec:decorative xmlns:adec="http://schemas.microsoft.com/office/drawing/2017/decorative" val="1"/>
-              </a:ext>
-            </a:extLst>
-          </p:cNvPr>
-          <p:cNvSpPr>
-            <a:spLocks noGrp="1" noRot="1" noChangeAspect="1" noMove="1" noResize="1" noEditPoints="1" noAdjustHandles="1" noChangeArrowheads="1" noChangeShapeType="1" noTextEdit="1"/>
-          </p:cNvSpPr>
-          <p:nvPr>
-            <p:extLst>
-              <p:ext uri="{386F3935-93C4-4BCD-93E2-E3B085C9AB24}">
-                <p16:designElem xmlns:p16="http://schemas.microsoft.com/office/powerpoint/2015/main" val="1"/>
-              </p:ext>
-            </p:extLst>
-          </p:nvPr>
-        </p:nvSpPr>
-        <p:spPr>
-          <a:xfrm>
-            <a:off x="0" y="0"/>
-            <a:ext cx="5779911" cy="6858000"/>
-          </a:xfrm>
-          <a:prstGeom prst="rect">
-            <a:avLst/>
-          </a:prstGeom>
-          <a:gradFill flip="none" rotWithShape="1">
-            <a:gsLst>
-              <a:gs pos="0">
-                <a:schemeClr val="accent1"/>
-              </a:gs>
-              <a:gs pos="100000">
-                <a:schemeClr val="accent2"/>
-              </a:gs>
-            </a:gsLst>
-            <a:lin ang="2700000" scaled="1"/>
-            <a:tileRect/>
-          </a:gradFill>
-          <a:ln>
-            <a:noFill/>
-          </a:ln>
-        </p:spPr>
-        <p:style>
-          <a:lnRef idx="2">
-            <a:schemeClr val="accent1">
-              <a:shade val="50000"/>
-            </a:schemeClr>
-          </a:lnRef>
-          <a:fillRef idx="1">
-            <a:schemeClr val="accent1"/>
-          </a:fillRef>
-          <a:effectRef idx="0">
-            <a:schemeClr val="accent1"/>
-          </a:effectRef>
-          <a:fontRef idx="minor">
-            <a:schemeClr val="lt1"/>
-          </a:fontRef>
-        </p:style>
-        <p:txBody>
-          <a:bodyPr rtlCol="0" anchor="ctr"/>
-          <a:lstStyle/>
-          <a:p>
-            <a:pPr algn="ctr"/>
-            <a:endParaRPr lang="en-US"/>
           </a:p>
         </p:txBody>
       </p:sp>
       <p:pic>
         <p:nvPicPr>
-          <p:cNvPr id="5" name="Picture 4" descr="A diagram of weather forecasting&#10;&#10;Description automatically generated">
-            <a:extLst>
-              <a:ext uri="{FF2B5EF4-FFF2-40B4-BE49-F238E27FC236}">
-                <a16:creationId xmlns:a16="http://schemas.microsoft.com/office/drawing/2014/main" id="{EF3C336B-853E-3025-3AE6-06C7B21134BC}"/>
+          <p:cNvPr id="16" name="Picture 15" descr="Clouds in sky">
+            <a:extLst>
+              <a:ext uri="{FF2B5EF4-FFF2-40B4-BE49-F238E27FC236}">
+                <a16:creationId xmlns:a16="http://schemas.microsoft.com/office/drawing/2014/main" id="{2B18C340-E172-F0D3-6D3C-A45F2E16596F}"/>
               </a:ext>
             </a:extLst>
           </p:cNvPr>
@@ -10082,138 +9195,26 @@
           <p:nvPr/>
         </p:nvPicPr>
         <p:blipFill>
-          <a:blip r:embed="rId2">
-            <a:extLst>
-              <a:ext uri="{28A0092B-C50C-407E-A947-70E740481C1C}">
-                <a14:useLocalDpi xmlns:a14="http://schemas.microsoft.com/office/drawing/2010/main" val="0"/>
-              </a:ext>
-            </a:extLst>
-          </a:blip>
-          <a:stretch>
-            <a:fillRect/>
-          </a:stretch>
+          <a:blip r:embed="rId2"/>
+          <a:srcRect l="15891" r="27775"/>
+          <a:stretch/>
         </p:blipFill>
         <p:spPr>
           <a:xfrm>
-            <a:off x="279143" y="1307716"/>
-            <a:ext cx="5221625" cy="4242569"/>
+            <a:off x="-1" y="10"/>
+            <a:ext cx="5151179" cy="6857990"/>
           </a:xfrm>
           <a:prstGeom prst="rect">
             <a:avLst/>
           </a:prstGeom>
         </p:spPr>
       </p:pic>
-      <p:sp>
-        <p:nvSpPr>
-          <p:cNvPr id="3" name="Content Placeholder 2">
-            <a:extLst>
-              <a:ext uri="{FF2B5EF4-FFF2-40B4-BE49-F238E27FC236}">
-                <a16:creationId xmlns:a16="http://schemas.microsoft.com/office/drawing/2014/main" id="{0B49ED6B-DB91-F143-7FDB-16B98276A955}"/>
-              </a:ext>
-            </a:extLst>
-          </p:cNvPr>
-          <p:cNvSpPr>
-            <a:spLocks noGrp="1"/>
-          </p:cNvSpPr>
-          <p:nvPr>
-            <p:ph idx="1"/>
-          </p:nvPr>
-        </p:nvSpPr>
-        <p:spPr>
-          <a:xfrm>
-            <a:off x="6392583" y="2645922"/>
-            <a:ext cx="4434721" cy="3710427"/>
-          </a:xfrm>
-        </p:spPr>
-        <p:txBody>
-          <a:bodyPr anchor="t">
-            <a:normAutofit/>
-          </a:bodyPr>
-          <a:lstStyle/>
-          <a:p>
-            <a:r>
-              <a:rPr lang="en-US" sz="2000">
-                <a:solidFill>
-                  <a:schemeClr val="tx1">
-                    <a:alpha val="80000"/>
-                  </a:schemeClr>
-                </a:solidFill>
-              </a:rPr>
-              <a:t>Consist of a </a:t>
-            </a:r>
-            <a:r>
-              <a:rPr lang="en-US" sz="2000" b="1">
-                <a:solidFill>
-                  <a:schemeClr val="tx1">
-                    <a:alpha val="80000"/>
-                  </a:schemeClr>
-                </a:solidFill>
-              </a:rPr>
-              <a:t>generator</a:t>
-            </a:r>
-            <a:r>
-              <a:rPr lang="en-US" sz="2000">
-                <a:solidFill>
-                  <a:schemeClr val="tx1">
-                    <a:alpha val="80000"/>
-                  </a:schemeClr>
-                </a:solidFill>
-              </a:rPr>
-              <a:t> and </a:t>
-            </a:r>
-            <a:r>
-              <a:rPr lang="en-US" sz="2000" b="1">
-                <a:solidFill>
-                  <a:schemeClr val="tx1">
-                    <a:alpha val="80000"/>
-                  </a:schemeClr>
-                </a:solidFill>
-              </a:rPr>
-              <a:t>discriminator</a:t>
-            </a:r>
-            <a:r>
-              <a:rPr lang="en-US" sz="2000">
-                <a:solidFill>
-                  <a:schemeClr val="tx1">
-                    <a:alpha val="80000"/>
-                  </a:schemeClr>
-                </a:solidFill>
-              </a:rPr>
-              <a:t> network that work in tandem to create data mimicking real-world samples.</a:t>
-            </a:r>
-          </a:p>
-          <a:p>
-            <a:r>
-              <a:rPr lang="en-US" sz="2000">
-                <a:solidFill>
-                  <a:schemeClr val="tx1">
-                    <a:alpha val="80000"/>
-                  </a:schemeClr>
-                </a:solidFill>
-              </a:rPr>
-              <a:t>Useful in generating synthetic climate scenarios- including anomalous weather events.</a:t>
-            </a:r>
-          </a:p>
-          <a:p>
-            <a:r>
-              <a:rPr lang="en-US" sz="2000">
-                <a:solidFill>
-                  <a:schemeClr val="tx1">
-                    <a:alpha val="80000"/>
-                  </a:schemeClr>
-                </a:solidFill>
-              </a:rPr>
-              <a:t>These make GANs helpful with predicting safe areas by simulating realistic scenarios. </a:t>
-            </a:r>
-          </a:p>
-        </p:txBody>
-      </p:sp>
       <p:cxnSp>
         <p:nvCxnSpPr>
-          <p:cNvPr id="14" name="Straight Connector 13">
-            <a:extLst>
-              <a:ext uri="{FF2B5EF4-FFF2-40B4-BE49-F238E27FC236}">
-                <a16:creationId xmlns:a16="http://schemas.microsoft.com/office/drawing/2014/main" id="{C49DA8F6-BCC1-4447-B54C-57856834B94B}"/>
+          <p:cNvPr id="20" name="Straight Connector 19">
+            <a:extLst>
+              <a:ext uri="{FF2B5EF4-FFF2-40B4-BE49-F238E27FC236}">
+                <a16:creationId xmlns:a16="http://schemas.microsoft.com/office/drawing/2014/main" id="{1503BFE4-729B-D9D0-C17B-501E6AF1127A}"/>
               </a:ext>
               <a:ext uri="{C183D7F6-B498-43B3-948B-1728B52AA6E4}">
                 <adec:decorative xmlns:adec="http://schemas.microsoft.com/office/drawing/2017/decorative" val="1"/>
@@ -10233,26 +9234,16 @@
         </p:nvCxnSpPr>
         <p:spPr>
           <a:xfrm>
-            <a:off x="11586162" y="3610394"/>
-            <a:ext cx="0" cy="3238728"/>
+            <a:off x="5971697" y="871146"/>
+            <a:ext cx="736939" cy="0"/>
           </a:xfrm>
           <a:prstGeom prst="line">
             <a:avLst/>
           </a:prstGeom>
-          <a:ln w="25400" cap="sq">
-            <a:gradFill flip="none" rotWithShape="1">
-              <a:gsLst>
-                <a:gs pos="0">
-                  <a:schemeClr val="accent1"/>
-                </a:gs>
-                <a:gs pos="100000">
-                  <a:schemeClr val="accent2"/>
-                </a:gs>
-              </a:gsLst>
-              <a:lin ang="16200000" scaled="1"/>
-              <a:tileRect/>
-            </a:gradFill>
-            <a:bevel/>
+          <a:ln w="57150">
+            <a:solidFill>
+              <a:schemeClr val="accent4"/>
+            </a:solidFill>
           </a:ln>
         </p:spPr>
         <p:style>
@@ -10272,40 +9263,104 @@
       </p:cxnSp>
       <p:sp>
         <p:nvSpPr>
-          <p:cNvPr id="6" name="TextBox 5">
-            <a:extLst>
-              <a:ext uri="{FF2B5EF4-FFF2-40B4-BE49-F238E27FC236}">
-                <a16:creationId xmlns:a16="http://schemas.microsoft.com/office/drawing/2014/main" id="{9F587935-EBB4-7C65-0504-735A5734B3BF}"/>
-              </a:ext>
-            </a:extLst>
-          </p:cNvPr>
-          <p:cNvSpPr txBox="1"/>
-          <p:nvPr/>
+          <p:cNvPr id="3" name="Content Placeholder 2">
+            <a:extLst>
+              <a:ext uri="{FF2B5EF4-FFF2-40B4-BE49-F238E27FC236}">
+                <a16:creationId xmlns:a16="http://schemas.microsoft.com/office/drawing/2014/main" id="{0B49ED6B-DB91-F143-7FDB-16B98276A955}"/>
+              </a:ext>
+            </a:extLst>
+          </p:cNvPr>
+          <p:cNvSpPr>
+            <a:spLocks noGrp="1"/>
+          </p:cNvSpPr>
+          <p:nvPr>
+            <p:ph idx="1"/>
+          </p:nvPr>
         </p:nvSpPr>
         <p:spPr>
           <a:xfrm>
-            <a:off x="892629" y="5758543"/>
-            <a:ext cx="3897085" cy="738664"/>
+            <a:off x="5868557" y="2551176"/>
+            <a:ext cx="5444382" cy="3591207"/>
           </a:xfrm>
-          <a:prstGeom prst="rect">
-            <a:avLst/>
-          </a:prstGeom>
-          <a:noFill/>
         </p:spPr>
         <p:txBody>
-          <a:bodyPr wrap="square" rtlCol="0">
-            <a:spAutoFit/>
+          <a:bodyPr>
+            <a:normAutofit/>
           </a:bodyPr>
           <a:lstStyle/>
           <a:p>
-            <a:pPr algn="ctr"/>
-            <a:r>
-              <a:rPr lang="en-US" sz="1400" i="1" dirty="0">
-                <a:solidFill>
-                  <a:schemeClr val="bg1"/>
-                </a:solidFill>
-              </a:rPr>
-              <a:t>While the model is great with predicting 3 out of 4 weather conditions, there’s still some work to do.</a:t>
+            <a:r>
+              <a:rPr lang="en-US" sz="1900"/>
+              <a:t>Consist of a generator and discriminator network that are </a:t>
+            </a:r>
+            <a:r>
+              <a:rPr lang="en-US" sz="1900" b="1"/>
+              <a:t>useful in generating synthetic climate scenarios</a:t>
+            </a:r>
+            <a:r>
+              <a:rPr lang="en-US" sz="1900"/>
+              <a:t>- including anomalous weather events.</a:t>
+            </a:r>
+          </a:p>
+          <a:p>
+            <a:r>
+              <a:rPr lang="en-US" sz="1900" b="1"/>
+              <a:t>Progress so far</a:t>
+            </a:r>
+            <a:r>
+              <a:rPr lang="en-US" sz="1900"/>
+              <a:t>:</a:t>
+            </a:r>
+          </a:p>
+          <a:p>
+            <a:pPr lvl="1"/>
+            <a:r>
+              <a:rPr lang="en-US" sz="1900"/>
+              <a:t>GAN accuracy for classifying four different weather conditions based off real images:</a:t>
+            </a:r>
+          </a:p>
+          <a:p>
+            <a:pPr lvl="1"/>
+            <a:r>
+              <a:rPr lang="en-US" sz="1900"/>
+              <a:t>Sunrise- </a:t>
+            </a:r>
+            <a:r>
+              <a:rPr lang="en-US" sz="1900" b="1"/>
+              <a:t>98%</a:t>
+            </a:r>
+          </a:p>
+          <a:p>
+            <a:pPr lvl="1"/>
+            <a:r>
+              <a:rPr lang="en-US" sz="1900"/>
+              <a:t>Shine- </a:t>
+            </a:r>
+            <a:r>
+              <a:rPr lang="en-US" sz="1900" b="1"/>
+              <a:t>98%</a:t>
+            </a:r>
+          </a:p>
+          <a:p>
+            <a:pPr lvl="1"/>
+            <a:r>
+              <a:rPr lang="en-US" sz="1900"/>
+              <a:t>Rain- </a:t>
+            </a:r>
+            <a:r>
+              <a:rPr lang="en-US" sz="1900" b="1"/>
+              <a:t>98%</a:t>
+            </a:r>
+          </a:p>
+          <a:p>
+            <a:pPr lvl="1"/>
+            <a:r>
+              <a:rPr lang="en-US" sz="1900"/>
+              <a:t>Cloudy- </a:t>
+            </a:r>
+            <a:r>
+              <a:rPr lang="en-US" sz="1900" b="1"/>
+              <a:t>39% </a:t>
             </a:r>
           </a:p>
         </p:txBody>
@@ -10741,13 +9796,13 @@
         </p:spPr>
         <p:txBody>
           <a:bodyPr anchor="ctr">
-            <a:normAutofit/>
+            <a:normAutofit fontScale="90000"/>
           </a:bodyPr>
           <a:lstStyle/>
           <a:p>
             <a:r>
-              <a:rPr lang="en-US" sz="3600"/>
-              <a:t>TE 1: Detecting and classifying anomalous weather events </a:t>
+              <a:rPr lang="en-US" sz="3600" dirty="0"/>
+              <a:t>TE 1 task: Detecting and classifying anomalous weather events </a:t>
             </a:r>
           </a:p>
         </p:txBody>
@@ -10855,66 +9910,64 @@
           <a:lstStyle/>
           <a:p>
             <a:r>
-              <a:rPr lang="en-US" sz="1500" b="1" dirty="0"/>
-              <a:t>Task</a:t>
-            </a:r>
-            <a:r>
-              <a:rPr lang="en-US" sz="1500" dirty="0"/>
-              <a:t>: Understanding climate change impacts by investigating and identifying rare weather events in European regions that are incongruent with historical norms.</a:t>
-            </a:r>
-          </a:p>
-          <a:p>
-            <a:r>
-              <a:rPr lang="en-US" sz="1500" b="1" dirty="0"/>
+              <a:rPr lang="en-US" sz="1800" b="1" dirty="0"/>
               <a:t>Approach</a:t>
             </a:r>
             <a:r>
-              <a:rPr lang="en-US" sz="1500" dirty="0"/>
+              <a:rPr lang="en-US" sz="1800" dirty="0"/>
               <a:t>: Utilize </a:t>
             </a:r>
             <a:r>
-              <a:rPr lang="en-US" sz="1500" b="1" dirty="0"/>
+              <a:rPr lang="en-US" sz="1800" b="1" dirty="0"/>
               <a:t>random</a:t>
             </a:r>
             <a:r>
-              <a:rPr lang="en-US" sz="1500" dirty="0"/>
+              <a:rPr lang="en-US" sz="1800" dirty="0"/>
               <a:t> </a:t>
             </a:r>
             <a:r>
-              <a:rPr lang="en-US" sz="1500" b="1" dirty="0"/>
+              <a:rPr lang="en-US" sz="1800" b="1" dirty="0"/>
               <a:t>forests</a:t>
             </a:r>
             <a:r>
-              <a:rPr lang="en-US" sz="1500" dirty="0"/>
-              <a:t> to detect important anomaly features and use </a:t>
-            </a:r>
-            <a:r>
-              <a:rPr lang="en-US" sz="1500" b="1" dirty="0"/>
+              <a:rPr lang="en-US" sz="1800" dirty="0"/>
+              <a:t> to detect important anomaly variables and use </a:t>
+            </a:r>
+            <a:r>
+              <a:rPr lang="en-US" sz="1800" b="1" dirty="0"/>
               <a:t>CNNs</a:t>
             </a:r>
             <a:r>
-              <a:rPr lang="en-US" sz="1500" dirty="0"/>
-              <a:t> to analyze satellite imagery to understand visual patterns associated with these events.</a:t>
-            </a:r>
-          </a:p>
-          <a:p>
-            <a:r>
-              <a:rPr lang="en-US" sz="1500" b="1" dirty="0"/>
-              <a:t>Data Requirements</a:t>
-            </a:r>
-            <a:r>
-              <a:rPr lang="en-US" sz="1500" dirty="0"/>
-              <a:t>: Historical regional data and regional satellite imagery.</a:t>
-            </a:r>
-          </a:p>
-          <a:p>
-            <a:r>
-              <a:rPr lang="en-US" sz="1500" b="1" dirty="0"/>
+              <a:rPr lang="en-US" sz="1800" dirty="0"/>
+              <a:t> to understand visual patterns associated with these events.</a:t>
+            </a:r>
+          </a:p>
+          <a:p>
+            <a:r>
+              <a:rPr lang="en-US" sz="1800" b="1" dirty="0"/>
               <a:t>Data Bias</a:t>
             </a:r>
             <a:r>
-              <a:rPr lang="en-US" sz="1500" dirty="0"/>
+              <a:rPr lang="en-US" sz="1800" dirty="0"/>
               <a:t>: Regional underrepresentation for satellite imagery or data collection for financial or other circumstantial reasons.</a:t>
+            </a:r>
+          </a:p>
+          <a:p>
+            <a:r>
+              <a:rPr lang="en-US" sz="1800" b="1" dirty="0"/>
+              <a:t>Findings</a:t>
+            </a:r>
+            <a:r>
+              <a:rPr lang="en-US" sz="1800" dirty="0"/>
+              <a:t>: my decision tree model is able to correctly classify weather conditions across all weather stations </a:t>
+            </a:r>
+            <a:r>
+              <a:rPr lang="en-US" sz="1800" b="1" dirty="0"/>
+              <a:t>93% of the time</a:t>
+            </a:r>
+            <a:r>
+              <a:rPr lang="en-US" sz="1800" dirty="0"/>
+              <a:t>.</a:t>
             </a:r>
           </a:p>
         </p:txBody>
